--- a/Project Presentation.pptx
+++ b/Project Presentation.pptx
@@ -22,67 +22,68 @@
     <p:sldId id="270" r:id="rId16"/>
     <p:sldId id="271" r:id="rId17"/>
     <p:sldId id="272" r:id="rId18"/>
-    <p:sldId id="273" r:id="rId19"/>
-    <p:sldId id="274" r:id="rId20"/>
-    <p:sldId id="275" r:id="rId21"/>
-    <p:sldId id="276" r:id="rId22"/>
-    <p:sldId id="277" r:id="rId23"/>
-    <p:sldId id="278" r:id="rId24"/>
-    <p:sldId id="280" r:id="rId25"/>
-    <p:sldId id="286" r:id="rId26"/>
-    <p:sldId id="281" r:id="rId27"/>
-    <p:sldId id="282" r:id="rId28"/>
-    <p:sldId id="283" r:id="rId29"/>
-    <p:sldId id="284" r:id="rId30"/>
-    <p:sldId id="285" r:id="rId31"/>
-    <p:sldId id="287" r:id="rId32"/>
-    <p:sldId id="288" r:id="rId33"/>
-    <p:sldId id="289" r:id="rId34"/>
-    <p:sldId id="290" r:id="rId35"/>
-    <p:sldId id="292" r:id="rId36"/>
-    <p:sldId id="293" r:id="rId37"/>
-    <p:sldId id="294" r:id="rId38"/>
-    <p:sldId id="295" r:id="rId39"/>
-    <p:sldId id="296" r:id="rId40"/>
-    <p:sldId id="297" r:id="rId41"/>
-    <p:sldId id="298" r:id="rId42"/>
-    <p:sldId id="299" r:id="rId43"/>
-    <p:sldId id="300" r:id="rId44"/>
-    <p:sldId id="301" r:id="rId45"/>
-    <p:sldId id="302" r:id="rId46"/>
-    <p:sldId id="303" r:id="rId47"/>
-    <p:sldId id="304" r:id="rId48"/>
-    <p:sldId id="305" r:id="rId49"/>
-    <p:sldId id="307" r:id="rId50"/>
-    <p:sldId id="308" r:id="rId51"/>
-    <p:sldId id="309" r:id="rId52"/>
-    <p:sldId id="310" r:id="rId53"/>
-    <p:sldId id="311" r:id="rId54"/>
-    <p:sldId id="312" r:id="rId55"/>
-    <p:sldId id="313" r:id="rId56"/>
-    <p:sldId id="314" r:id="rId57"/>
-    <p:sldId id="315" r:id="rId58"/>
-    <p:sldId id="316" r:id="rId59"/>
-    <p:sldId id="317" r:id="rId60"/>
-    <p:sldId id="318" r:id="rId61"/>
-    <p:sldId id="319" r:id="rId62"/>
-    <p:sldId id="320" r:id="rId63"/>
-    <p:sldId id="321" r:id="rId64"/>
-    <p:sldId id="322" r:id="rId65"/>
-    <p:sldId id="323" r:id="rId66"/>
-    <p:sldId id="324" r:id="rId67"/>
-    <p:sldId id="325" r:id="rId68"/>
-    <p:sldId id="326" r:id="rId69"/>
-    <p:sldId id="327" r:id="rId70"/>
-    <p:sldId id="328" r:id="rId71"/>
-    <p:sldId id="329" r:id="rId72"/>
-    <p:sldId id="330" r:id="rId73"/>
-    <p:sldId id="331" r:id="rId74"/>
-    <p:sldId id="332" r:id="rId75"/>
-    <p:sldId id="333" r:id="rId76"/>
-    <p:sldId id="334" r:id="rId77"/>
-    <p:sldId id="335" r:id="rId78"/>
-    <p:sldId id="336" r:id="rId79"/>
+    <p:sldId id="337" r:id="rId19"/>
+    <p:sldId id="273" r:id="rId20"/>
+    <p:sldId id="274" r:id="rId21"/>
+    <p:sldId id="275" r:id="rId22"/>
+    <p:sldId id="276" r:id="rId23"/>
+    <p:sldId id="277" r:id="rId24"/>
+    <p:sldId id="278" r:id="rId25"/>
+    <p:sldId id="280" r:id="rId26"/>
+    <p:sldId id="286" r:id="rId27"/>
+    <p:sldId id="281" r:id="rId28"/>
+    <p:sldId id="282" r:id="rId29"/>
+    <p:sldId id="283" r:id="rId30"/>
+    <p:sldId id="284" r:id="rId31"/>
+    <p:sldId id="285" r:id="rId32"/>
+    <p:sldId id="287" r:id="rId33"/>
+    <p:sldId id="288" r:id="rId34"/>
+    <p:sldId id="289" r:id="rId35"/>
+    <p:sldId id="290" r:id="rId36"/>
+    <p:sldId id="292" r:id="rId37"/>
+    <p:sldId id="293" r:id="rId38"/>
+    <p:sldId id="294" r:id="rId39"/>
+    <p:sldId id="295" r:id="rId40"/>
+    <p:sldId id="296" r:id="rId41"/>
+    <p:sldId id="297" r:id="rId42"/>
+    <p:sldId id="298" r:id="rId43"/>
+    <p:sldId id="299" r:id="rId44"/>
+    <p:sldId id="300" r:id="rId45"/>
+    <p:sldId id="301" r:id="rId46"/>
+    <p:sldId id="302" r:id="rId47"/>
+    <p:sldId id="303" r:id="rId48"/>
+    <p:sldId id="304" r:id="rId49"/>
+    <p:sldId id="305" r:id="rId50"/>
+    <p:sldId id="307" r:id="rId51"/>
+    <p:sldId id="308" r:id="rId52"/>
+    <p:sldId id="309" r:id="rId53"/>
+    <p:sldId id="310" r:id="rId54"/>
+    <p:sldId id="311" r:id="rId55"/>
+    <p:sldId id="312" r:id="rId56"/>
+    <p:sldId id="313" r:id="rId57"/>
+    <p:sldId id="314" r:id="rId58"/>
+    <p:sldId id="315" r:id="rId59"/>
+    <p:sldId id="316" r:id="rId60"/>
+    <p:sldId id="317" r:id="rId61"/>
+    <p:sldId id="318" r:id="rId62"/>
+    <p:sldId id="319" r:id="rId63"/>
+    <p:sldId id="320" r:id="rId64"/>
+    <p:sldId id="321" r:id="rId65"/>
+    <p:sldId id="322" r:id="rId66"/>
+    <p:sldId id="323" r:id="rId67"/>
+    <p:sldId id="324" r:id="rId68"/>
+    <p:sldId id="325" r:id="rId69"/>
+    <p:sldId id="326" r:id="rId70"/>
+    <p:sldId id="327" r:id="rId71"/>
+    <p:sldId id="328" r:id="rId72"/>
+    <p:sldId id="329" r:id="rId73"/>
+    <p:sldId id="330" r:id="rId74"/>
+    <p:sldId id="331" r:id="rId75"/>
+    <p:sldId id="332" r:id="rId76"/>
+    <p:sldId id="333" r:id="rId77"/>
+    <p:sldId id="334" r:id="rId78"/>
+    <p:sldId id="338" r:id="rId79"/>
+    <p:sldId id="336" r:id="rId80"/>
   </p:sldIdLst>
   <p:sldSz cx="12192000" cy="6858000"/>
   <p:notesSz cx="6858000" cy="9144000"/>
@@ -181,6 +182,11 @@
       </a:defRPr>
     </a:lvl9pPr>
   </p:defaultTextStyle>
+  <p:extLst>
+    <p:ext uri="{EFAFB233-063F-42B5-8137-9DF3F51BA10A}">
+      <p15:sldGuideLst xmlns:p15="http://schemas.microsoft.com/office/powerpoint/2012/main"/>
+    </p:ext>
+  </p:extLst>
 </p:presentation>
 </file>
 
@@ -324,7 +330,7 @@
             <a:fld id="{11A6662E-FAF4-44BC-88B5-85A7CBFB6D30}" type="datetime1">
               <a:rPr lang="en-US" smtClean="0"/>
               <a:pPr/>
-              <a:t>6/28/2021</a:t>
+              <a:t>6/29/2021</a:t>
             </a:fld>
             <a:endParaRPr lang="en-US"/>
           </a:p>
@@ -536,7 +542,7 @@
           <a:p>
             <a:fld id="{4C559632-1575-4E14-B53B-3DC3D5ED3947}" type="datetime1">
               <a:rPr lang="en-US" smtClean="0"/>
-              <a:t>6/28/2021</a:t>
+              <a:t>6/29/2021</a:t>
             </a:fld>
             <a:endParaRPr lang="en-US"/>
           </a:p>
@@ -751,7 +757,7 @@
           <a:p>
             <a:fld id="{CC4A6868-2568-4CC9-B302-F37117B01A6E}" type="datetime1">
               <a:rPr lang="en-US" smtClean="0"/>
-              <a:t>6/28/2021</a:t>
+              <a:t>6/29/2021</a:t>
             </a:fld>
             <a:endParaRPr lang="en-US"/>
           </a:p>
@@ -952,7 +958,7 @@
           <a:p>
             <a:fld id="{0055F08A-1E71-4B2B-BB49-E743F2903911}" type="datetime1">
               <a:rPr lang="en-US" smtClean="0"/>
-              <a:t>6/28/2021</a:t>
+              <a:t>6/29/2021</a:t>
             </a:fld>
             <a:endParaRPr lang="en-US" dirty="0"/>
           </a:p>
@@ -1231,7 +1237,7 @@
           <a:p>
             <a:fld id="{15417D9E-721A-44BB-8863-9873FE64DA75}" type="datetime1">
               <a:rPr lang="en-US" smtClean="0"/>
-              <a:t>6/28/2021</a:t>
+              <a:t>6/29/2021</a:t>
             </a:fld>
             <a:endParaRPr lang="en-US"/>
           </a:p>
@@ -1499,7 +1505,7 @@
           <a:p>
             <a:fld id="{5F31DA2F-80B8-49CF-99FB-5ABCA53A607A}" type="datetime1">
               <a:rPr lang="en-US" smtClean="0"/>
-              <a:t>6/28/2021</a:t>
+              <a:t>6/29/2021</a:t>
             </a:fld>
             <a:endParaRPr lang="en-US"/>
           </a:p>
@@ -1915,7 +1921,7 @@
           <a:p>
             <a:fld id="{28852172-E6C9-4B6C-929A-A9DE3837BBF1}" type="datetime1">
               <a:rPr lang="en-US" smtClean="0"/>
-              <a:t>6/28/2021</a:t>
+              <a:t>6/29/2021</a:t>
             </a:fld>
             <a:endParaRPr lang="en-US"/>
           </a:p>
@@ -2064,7 +2070,7 @@
           <a:p>
             <a:fld id="{3AB41CFF-90C9-47B3-9DA1-F2BF8D839F7E}" type="datetime1">
               <a:rPr lang="en-US" smtClean="0"/>
-              <a:t>6/28/2021</a:t>
+              <a:t>6/29/2021</a:t>
             </a:fld>
             <a:endParaRPr lang="en-US"/>
           </a:p>
@@ -2190,7 +2196,7 @@
           <a:p>
             <a:fld id="{F06048FA-06AB-4884-A69B-986B96E68A24}" type="datetime1">
               <a:rPr lang="en-US" smtClean="0"/>
-              <a:t>6/28/2021</a:t>
+              <a:t>6/29/2021</a:t>
             </a:fld>
             <a:endParaRPr lang="en-US"/>
           </a:p>
@@ -2441,7 +2447,7 @@
           <a:p>
             <a:fld id="{50DB7ABA-0172-4F9C-889D-567164F66BCD}" type="datetime1">
               <a:rPr lang="en-US" smtClean="0"/>
-              <a:t>6/28/2021</a:t>
+              <a:t>6/29/2021</a:t>
             </a:fld>
             <a:endParaRPr lang="en-US"/>
           </a:p>
@@ -2886,7 +2892,7 @@
           <a:p>
             <a:fld id="{78AC6A5B-8AE7-4A41-B5A7-9ADC6686DC18}" type="datetime1">
               <a:rPr lang="en-US" smtClean="0"/>
-              <a:t>6/28/2021</a:t>
+              <a:t>6/29/2021</a:t>
             </a:fld>
             <a:endParaRPr lang="en-US"/>
           </a:p>
@@ -3214,7 +3220,7 @@
             <a:fld id="{57E0CF6C-748E-4B7A-BC8B-3011EF78ED13}" type="datetime1">
               <a:rPr lang="en-US" smtClean="0"/>
               <a:pPr/>
-              <a:t>6/28/2021</a:t>
+              <a:t>6/29/2021</a:t>
             </a:fld>
             <a:endParaRPr lang="en-US" dirty="0"/>
           </a:p>
@@ -4015,8 +4021,8 @@
           </a:p>
         </p:txBody>
       </p:sp>
-      <mc:AlternateContent xmlns:mc="http://schemas.openxmlformats.org/markup-compatibility/2006">
-        <mc:Choice xmlns:a14="http://schemas.microsoft.com/office/drawing/2010/main" Requires="a14">
+      <mc:AlternateContent xmlns:mc="http://schemas.openxmlformats.org/markup-compatibility/2006" xmlns:a14="http://schemas.microsoft.com/office/drawing/2010/main">
+        <mc:Choice Requires="a14">
           <p:sp>
             <p:nvSpPr>
               <p:cNvPr id="3" name="Content Placeholder 2">
@@ -4171,7 +4177,7 @@
             </p:txBody>
           </p:sp>
         </mc:Choice>
-        <mc:Fallback>
+        <mc:Fallback xmlns="">
           <p:sp>
             <p:nvSpPr>
               <p:cNvPr id="3" name="Content Placeholder 2">
@@ -5233,6 +5239,15 @@
               <a:rPr lang="en-US" dirty="0"/>
               <a:t>Calculating a Z3 representation of the path</a:t>
             </a:r>
+            <a:r>
+              <a:rPr lang="ru-RU" dirty="0"/>
+              <a:t> </a:t>
+            </a:r>
+            <a:r>
+              <a:rPr lang="en-US"/>
+              <a:t>invariants</a:t>
+            </a:r>
+            <a:endParaRPr lang="en-US" dirty="0"/>
           </a:p>
           <a:p>
             <a:r>
@@ -6251,6 +6266,116 @@
           <p:cNvPr id="2" name="Title 1">
             <a:extLst>
               <a:ext uri="{FF2B5EF4-FFF2-40B4-BE49-F238E27FC236}">
+                <a16:creationId xmlns:a16="http://schemas.microsoft.com/office/drawing/2014/main" id="{6C88043E-805B-4FB3-AEDF-89916F42D901}"/>
+              </a:ext>
+            </a:extLst>
+          </p:cNvPr>
+          <p:cNvSpPr>
+            <a:spLocks noGrp="1"/>
+          </p:cNvSpPr>
+          <p:nvPr>
+            <p:ph type="title"/>
+          </p:nvPr>
+        </p:nvSpPr>
+        <p:spPr/>
+        <p:txBody>
+          <a:bodyPr/>
+          <a:lstStyle/>
+          <a:p>
+            <a:pPr algn="ctr"/>
+            <a:br>
+              <a:rPr lang="en-US" dirty="0"/>
+            </a:br>
+            <a:r>
+              <a:rPr lang="en-US" dirty="0"/>
+              <a:t>Verification modes</a:t>
+            </a:r>
+          </a:p>
+        </p:txBody>
+      </p:sp>
+      <p:sp>
+        <p:nvSpPr>
+          <p:cNvPr id="3" name="Content Placeholder 2">
+            <a:extLst>
+              <a:ext uri="{FF2B5EF4-FFF2-40B4-BE49-F238E27FC236}">
+                <a16:creationId xmlns:a16="http://schemas.microsoft.com/office/drawing/2014/main" id="{0BB81994-282F-446F-9896-B5D4AD56D8D2}"/>
+              </a:ext>
+            </a:extLst>
+          </p:cNvPr>
+          <p:cNvSpPr>
+            <a:spLocks noGrp="1"/>
+          </p:cNvSpPr>
+          <p:nvPr>
+            <p:ph idx="1"/>
+          </p:nvPr>
+        </p:nvSpPr>
+        <p:spPr/>
+        <p:txBody>
+          <a:bodyPr/>
+          <a:lstStyle/>
+          <a:p>
+            <a:r>
+              <a:rPr lang="en-US" dirty="0"/>
+              <a:t>By default, the verifier runs in FP mode</a:t>
+            </a:r>
+          </a:p>
+          <a:p>
+            <a:r>
+              <a:rPr lang="en-US" dirty="0"/>
+              <a:t>If cannot produce a result in FP mode (for example, due to some error), the verifier will rerun itself in MHC mode</a:t>
+            </a:r>
+          </a:p>
+          <a:p>
+            <a:r>
+              <a:rPr lang="en-US" dirty="0"/>
+              <a:t>If Z3 returns </a:t>
+            </a:r>
+            <a:r>
+              <a:rPr lang="en-US" dirty="0" err="1"/>
+              <a:t>unsat</a:t>
+            </a:r>
+            <a:r>
+              <a:rPr lang="en-US" dirty="0"/>
+              <a:t> or unknown in MHC mode, the verifier will rerun itself in P mode</a:t>
+            </a:r>
+          </a:p>
+        </p:txBody>
+      </p:sp>
+    </p:spTree>
+    <p:extLst>
+      <p:ext uri="{BB962C8B-B14F-4D97-AF65-F5344CB8AC3E}">
+        <p14:creationId xmlns:p14="http://schemas.microsoft.com/office/powerpoint/2010/main" val="586740730"/>
+      </p:ext>
+    </p:extLst>
+  </p:cSld>
+  <p:clrMapOvr>
+    <a:masterClrMapping/>
+  </p:clrMapOvr>
+</p:sld>
+</file>
+
+<file path=ppt/slides/slide19.xml><?xml version="1.0" encoding="utf-8"?>
+<p:sld xmlns:a="http://schemas.openxmlformats.org/drawingml/2006/main" xmlns:r="http://schemas.openxmlformats.org/officeDocument/2006/relationships" xmlns:p="http://schemas.openxmlformats.org/presentationml/2006/main">
+  <p:cSld>
+    <p:spTree>
+      <p:nvGrpSpPr>
+        <p:cNvPr id="1" name=""/>
+        <p:cNvGrpSpPr/>
+        <p:nvPr/>
+      </p:nvGrpSpPr>
+      <p:grpSpPr>
+        <a:xfrm>
+          <a:off x="0" y="0"/>
+          <a:ext cx="0" cy="0"/>
+          <a:chOff x="0" y="0"/>
+          <a:chExt cx="0" cy="0"/>
+        </a:xfrm>
+      </p:grpSpPr>
+      <p:sp>
+        <p:nvSpPr>
+          <p:cNvPr id="2" name="Title 1">
+            <a:extLst>
+              <a:ext uri="{FF2B5EF4-FFF2-40B4-BE49-F238E27FC236}">
                 <a16:creationId xmlns:a16="http://schemas.microsoft.com/office/drawing/2014/main" id="{27CB626F-BB8A-4B18-A006-DF628005EBFE}"/>
               </a:ext>
             </a:extLst>
@@ -6278,8 +6403,8 @@
           </a:p>
         </p:txBody>
       </p:sp>
-      <mc:AlternateContent xmlns:mc="http://schemas.openxmlformats.org/markup-compatibility/2006">
-        <mc:Choice xmlns:a14="http://schemas.microsoft.com/office/drawing/2010/main" Requires="a14">
+      <mc:AlternateContent xmlns:mc="http://schemas.openxmlformats.org/markup-compatibility/2006" xmlns:a14="http://schemas.microsoft.com/office/drawing/2010/main">
+        <mc:Choice Requires="a14">
           <p:sp>
             <p:nvSpPr>
               <p:cNvPr id="3" name="Content Placeholder 2">
@@ -6637,7 +6762,7 @@
             </p:txBody>
           </p:sp>
         </mc:Choice>
-        <mc:Fallback>
+        <mc:Fallback xmlns="">
           <p:sp>
             <p:nvSpPr>
               <p:cNvPr id="3" name="Content Placeholder 2">
@@ -6690,7 +6815,133 @@
 </p:sld>
 </file>
 
-<file path=ppt/slides/slide19.xml><?xml version="1.0" encoding="utf-8"?>
+<file path=ppt/slides/slide2.xml><?xml version="1.0" encoding="utf-8"?>
+<p:sld xmlns:a="http://schemas.openxmlformats.org/drawingml/2006/main" xmlns:r="http://schemas.openxmlformats.org/officeDocument/2006/relationships" xmlns:p="http://schemas.openxmlformats.org/presentationml/2006/main">
+  <p:cSld>
+    <p:spTree>
+      <p:nvGrpSpPr>
+        <p:cNvPr id="1" name=""/>
+        <p:cNvGrpSpPr/>
+        <p:nvPr/>
+      </p:nvGrpSpPr>
+      <p:grpSpPr>
+        <a:xfrm>
+          <a:off x="0" y="0"/>
+          <a:ext cx="0" cy="0"/>
+          <a:chOff x="0" y="0"/>
+          <a:chExt cx="0" cy="0"/>
+        </a:xfrm>
+      </p:grpSpPr>
+      <p:sp>
+        <p:nvSpPr>
+          <p:cNvPr id="2" name="Title 1">
+            <a:extLst>
+              <a:ext uri="{FF2B5EF4-FFF2-40B4-BE49-F238E27FC236}">
+                <a16:creationId xmlns:a16="http://schemas.microsoft.com/office/drawing/2014/main" id="{59C15199-4A45-4583-96FA-9D5540445960}"/>
+              </a:ext>
+            </a:extLst>
+          </p:cNvPr>
+          <p:cNvSpPr>
+            <a:spLocks noGrp="1"/>
+          </p:cNvSpPr>
+          <p:nvPr>
+            <p:ph type="title"/>
+          </p:nvPr>
+        </p:nvSpPr>
+        <p:spPr/>
+        <p:txBody>
+          <a:bodyPr/>
+          <a:lstStyle/>
+          <a:p>
+            <a:pPr algn="ctr"/>
+            <a:br>
+              <a:rPr lang="en-US" dirty="0"/>
+            </a:br>
+            <a:r>
+              <a:rPr lang="en-US" dirty="0"/>
+              <a:t>plan</a:t>
+            </a:r>
+          </a:p>
+        </p:txBody>
+      </p:sp>
+      <p:sp>
+        <p:nvSpPr>
+          <p:cNvPr id="3" name="Content Placeholder 2">
+            <a:extLst>
+              <a:ext uri="{FF2B5EF4-FFF2-40B4-BE49-F238E27FC236}">
+                <a16:creationId xmlns:a16="http://schemas.microsoft.com/office/drawing/2014/main" id="{949E8FF5-B93A-486F-ABF8-4AD60DCDBECF}"/>
+              </a:ext>
+            </a:extLst>
+          </p:cNvPr>
+          <p:cNvSpPr>
+            <a:spLocks noGrp="1"/>
+          </p:cNvSpPr>
+          <p:nvPr>
+            <p:ph idx="1"/>
+          </p:nvPr>
+        </p:nvSpPr>
+        <p:spPr/>
+        <p:txBody>
+          <a:bodyPr/>
+          <a:lstStyle/>
+          <a:p>
+            <a:r>
+              <a:rPr lang="en-US" dirty="0"/>
+              <a:t>Brief code overview</a:t>
+            </a:r>
+          </a:p>
+          <a:p>
+            <a:r>
+              <a:rPr lang="en-US" dirty="0"/>
+              <a:t>Verification modes</a:t>
+            </a:r>
+          </a:p>
+          <a:p>
+            <a:r>
+              <a:rPr lang="en-US" dirty="0"/>
+              <a:t>Verification output</a:t>
+            </a:r>
+          </a:p>
+          <a:p>
+            <a:r>
+              <a:rPr lang="en-US" dirty="0"/>
+              <a:t>How to use</a:t>
+            </a:r>
+          </a:p>
+          <a:p>
+            <a:r>
+              <a:rPr lang="en-US" dirty="0"/>
+              <a:t>Benchmarks</a:t>
+            </a:r>
+          </a:p>
+          <a:p>
+            <a:r>
+              <a:rPr lang="en-US" dirty="0"/>
+              <a:t>Demo</a:t>
+            </a:r>
+          </a:p>
+          <a:p>
+            <a:endParaRPr lang="en-US" dirty="0"/>
+          </a:p>
+          <a:p>
+            <a:endParaRPr lang="en-US" dirty="0"/>
+          </a:p>
+        </p:txBody>
+      </p:sp>
+    </p:spTree>
+    <p:extLst>
+      <p:ext uri="{BB962C8B-B14F-4D97-AF65-F5344CB8AC3E}">
+        <p14:creationId xmlns:p14="http://schemas.microsoft.com/office/powerpoint/2010/main" val="3115478594"/>
+      </p:ext>
+    </p:extLst>
+  </p:cSld>
+  <p:clrMapOvr>
+    <a:masterClrMapping/>
+  </p:clrMapOvr>
+</p:sld>
+</file>
+
+<file path=ppt/slides/slide20.xml><?xml version="1.0" encoding="utf-8"?>
 <p:sld xmlns:a="http://schemas.openxmlformats.org/drawingml/2006/main" xmlns:r="http://schemas.openxmlformats.org/officeDocument/2006/relationships" xmlns:p="http://schemas.openxmlformats.org/presentationml/2006/main">
   <p:cSld>
     <p:bg>
@@ -7566,133 +7817,7 @@
 </p:sld>
 </file>
 
-<file path=ppt/slides/slide2.xml><?xml version="1.0" encoding="utf-8"?>
-<p:sld xmlns:a="http://schemas.openxmlformats.org/drawingml/2006/main" xmlns:r="http://schemas.openxmlformats.org/officeDocument/2006/relationships" xmlns:p="http://schemas.openxmlformats.org/presentationml/2006/main">
-  <p:cSld>
-    <p:spTree>
-      <p:nvGrpSpPr>
-        <p:cNvPr id="1" name=""/>
-        <p:cNvGrpSpPr/>
-        <p:nvPr/>
-      </p:nvGrpSpPr>
-      <p:grpSpPr>
-        <a:xfrm>
-          <a:off x="0" y="0"/>
-          <a:ext cx="0" cy="0"/>
-          <a:chOff x="0" y="0"/>
-          <a:chExt cx="0" cy="0"/>
-        </a:xfrm>
-      </p:grpSpPr>
-      <p:sp>
-        <p:nvSpPr>
-          <p:cNvPr id="2" name="Title 1">
-            <a:extLst>
-              <a:ext uri="{FF2B5EF4-FFF2-40B4-BE49-F238E27FC236}">
-                <a16:creationId xmlns:a16="http://schemas.microsoft.com/office/drawing/2014/main" id="{59C15199-4A45-4583-96FA-9D5540445960}"/>
-              </a:ext>
-            </a:extLst>
-          </p:cNvPr>
-          <p:cNvSpPr>
-            <a:spLocks noGrp="1"/>
-          </p:cNvSpPr>
-          <p:nvPr>
-            <p:ph type="title"/>
-          </p:nvPr>
-        </p:nvSpPr>
-        <p:spPr/>
-        <p:txBody>
-          <a:bodyPr/>
-          <a:lstStyle/>
-          <a:p>
-            <a:pPr algn="ctr"/>
-            <a:br>
-              <a:rPr lang="en-US" dirty="0"/>
-            </a:br>
-            <a:r>
-              <a:rPr lang="en-US" dirty="0"/>
-              <a:t>plan</a:t>
-            </a:r>
-          </a:p>
-        </p:txBody>
-      </p:sp>
-      <p:sp>
-        <p:nvSpPr>
-          <p:cNvPr id="3" name="Content Placeholder 2">
-            <a:extLst>
-              <a:ext uri="{FF2B5EF4-FFF2-40B4-BE49-F238E27FC236}">
-                <a16:creationId xmlns:a16="http://schemas.microsoft.com/office/drawing/2014/main" id="{949E8FF5-B93A-486F-ABF8-4AD60DCDBECF}"/>
-              </a:ext>
-            </a:extLst>
-          </p:cNvPr>
-          <p:cNvSpPr>
-            <a:spLocks noGrp="1"/>
-          </p:cNvSpPr>
-          <p:nvPr>
-            <p:ph idx="1"/>
-          </p:nvPr>
-        </p:nvSpPr>
-        <p:spPr/>
-        <p:txBody>
-          <a:bodyPr/>
-          <a:lstStyle/>
-          <a:p>
-            <a:r>
-              <a:rPr lang="en-US" dirty="0"/>
-              <a:t>Brief code overview</a:t>
-            </a:r>
-          </a:p>
-          <a:p>
-            <a:r>
-              <a:rPr lang="en-US" dirty="0"/>
-              <a:t>Verification modes</a:t>
-            </a:r>
-          </a:p>
-          <a:p>
-            <a:r>
-              <a:rPr lang="en-US" dirty="0"/>
-              <a:t>Verification output</a:t>
-            </a:r>
-          </a:p>
-          <a:p>
-            <a:r>
-              <a:rPr lang="en-US" dirty="0"/>
-              <a:t>How to use</a:t>
-            </a:r>
-          </a:p>
-          <a:p>
-            <a:r>
-              <a:rPr lang="en-US" dirty="0"/>
-              <a:t>Benchmarks</a:t>
-            </a:r>
-          </a:p>
-          <a:p>
-            <a:r>
-              <a:rPr lang="en-US" dirty="0"/>
-              <a:t>Demo</a:t>
-            </a:r>
-          </a:p>
-          <a:p>
-            <a:endParaRPr lang="en-US" dirty="0"/>
-          </a:p>
-          <a:p>
-            <a:endParaRPr lang="en-US" dirty="0"/>
-          </a:p>
-        </p:txBody>
-      </p:sp>
-    </p:spTree>
-    <p:extLst>
-      <p:ext uri="{BB962C8B-B14F-4D97-AF65-F5344CB8AC3E}">
-        <p14:creationId xmlns:p14="http://schemas.microsoft.com/office/powerpoint/2010/main" val="3115478594"/>
-      </p:ext>
-    </p:extLst>
-  </p:cSld>
-  <p:clrMapOvr>
-    <a:masterClrMapping/>
-  </p:clrMapOvr>
-</p:sld>
-</file>
-
-<file path=ppt/slides/slide20.xml><?xml version="1.0" encoding="utf-8"?>
+<file path=ppt/slides/slide21.xml><?xml version="1.0" encoding="utf-8"?>
 <p:sld xmlns:a="http://schemas.openxmlformats.org/drawingml/2006/main" xmlns:r="http://schemas.openxmlformats.org/officeDocument/2006/relationships" xmlns:p="http://schemas.openxmlformats.org/presentationml/2006/main">
   <p:cSld>
     <p:bg>
@@ -8570,7 +8695,7 @@
 </p:sld>
 </file>
 
-<file path=ppt/slides/slide21.xml><?xml version="1.0" encoding="utf-8"?>
+<file path=ppt/slides/slide22.xml><?xml version="1.0" encoding="utf-8"?>
 <p:sld xmlns:a="http://schemas.openxmlformats.org/drawingml/2006/main" xmlns:r="http://schemas.openxmlformats.org/officeDocument/2006/relationships" xmlns:p="http://schemas.openxmlformats.org/presentationml/2006/main">
   <p:cSld>
     <p:bg>
@@ -9403,8 +9528,8 @@
           </a:fontRef>
         </p:style>
       </p:cxnSp>
-      <mc:AlternateContent xmlns:mc="http://schemas.openxmlformats.org/markup-compatibility/2006">
-        <mc:Choice xmlns:a14="http://schemas.microsoft.com/office/drawing/2010/main" Requires="a14">
+      <mc:AlternateContent xmlns:mc="http://schemas.openxmlformats.org/markup-compatibility/2006" xmlns:a14="http://schemas.microsoft.com/office/drawing/2010/main">
+        <mc:Choice Requires="a14">
           <p:sp>
             <p:nvSpPr>
               <p:cNvPr id="5" name="Content Placeholder 4">
@@ -10069,7 +10194,7 @@
             </p:txBody>
           </p:sp>
         </mc:Choice>
-        <mc:Fallback>
+        <mc:Fallback xmlns="">
           <p:sp>
             <p:nvSpPr>
               <p:cNvPr id="5" name="Content Placeholder 4">
@@ -10126,7 +10251,7 @@
 </p:sld>
 </file>
 
-<file path=ppt/slides/slide22.xml><?xml version="1.0" encoding="utf-8"?>
+<file path=ppt/slides/slide23.xml><?xml version="1.0" encoding="utf-8"?>
 <p:sld xmlns:a="http://schemas.openxmlformats.org/drawingml/2006/main" xmlns:r="http://schemas.openxmlformats.org/officeDocument/2006/relationships" xmlns:p="http://schemas.openxmlformats.org/presentationml/2006/main">
   <p:cSld>
     <p:bg>
@@ -10937,7 +11062,7 @@
 </p:sld>
 </file>
 
-<file path=ppt/slides/slide23.xml><?xml version="1.0" encoding="utf-8"?>
+<file path=ppt/slides/slide24.xml><?xml version="1.0" encoding="utf-8"?>
 <p:sld xmlns:a="http://schemas.openxmlformats.org/drawingml/2006/main" xmlns:r="http://schemas.openxmlformats.org/officeDocument/2006/relationships" xmlns:p="http://schemas.openxmlformats.org/presentationml/2006/main">
   <p:cSld>
     <p:bg>
@@ -11748,7 +11873,7 @@
 </p:sld>
 </file>
 
-<file path=ppt/slides/slide24.xml><?xml version="1.0" encoding="utf-8"?>
+<file path=ppt/slides/slide25.xml><?xml version="1.0" encoding="utf-8"?>
 <p:sld xmlns:a="http://schemas.openxmlformats.org/drawingml/2006/main" xmlns:r="http://schemas.openxmlformats.org/officeDocument/2006/relationships" xmlns:p="http://schemas.openxmlformats.org/presentationml/2006/main">
   <p:cSld>
     <p:spTree>
@@ -11797,8 +11922,8 @@
           </a:p>
         </p:txBody>
       </p:sp>
-      <mc:AlternateContent xmlns:mc="http://schemas.openxmlformats.org/markup-compatibility/2006">
-        <mc:Choice xmlns:a14="http://schemas.microsoft.com/office/drawing/2010/main" Requires="a14">
+      <mc:AlternateContent xmlns:mc="http://schemas.openxmlformats.org/markup-compatibility/2006" xmlns:a14="http://schemas.microsoft.com/office/drawing/2010/main">
+        <mc:Choice Requires="a14">
           <p:sp>
             <p:nvSpPr>
               <p:cNvPr id="3" name="Content Placeholder 2">
@@ -12478,7 +12603,7 @@
             </p:txBody>
           </p:sp>
         </mc:Choice>
-        <mc:Fallback>
+        <mc:Fallback xmlns="">
           <p:sp>
             <p:nvSpPr>
               <p:cNvPr id="3" name="Content Placeholder 2">
@@ -12531,7 +12656,7 @@
 </p:sld>
 </file>
 
-<file path=ppt/slides/slide25.xml><?xml version="1.0" encoding="utf-8"?>
+<file path=ppt/slides/slide26.xml><?xml version="1.0" encoding="utf-8"?>
 <p:sld xmlns:a="http://schemas.openxmlformats.org/drawingml/2006/main" xmlns:r="http://schemas.openxmlformats.org/officeDocument/2006/relationships" xmlns:p="http://schemas.openxmlformats.org/presentationml/2006/main">
   <p:cSld>
     <p:spTree>
@@ -12661,7 +12786,7 @@
 </p:sld>
 </file>
 
-<file path=ppt/slides/slide26.xml><?xml version="1.0" encoding="utf-8"?>
+<file path=ppt/slides/slide27.xml><?xml version="1.0" encoding="utf-8"?>
 <p:sld xmlns:a="http://schemas.openxmlformats.org/drawingml/2006/main" xmlns:r="http://schemas.openxmlformats.org/officeDocument/2006/relationships" xmlns:p="http://schemas.openxmlformats.org/presentationml/2006/main">
   <p:cSld>
     <p:bg>
@@ -13537,7 +13662,7 @@
 </p:sld>
 </file>
 
-<file path=ppt/slides/slide27.xml><?xml version="1.0" encoding="utf-8"?>
+<file path=ppt/slides/slide28.xml><?xml version="1.0" encoding="utf-8"?>
 <p:sld xmlns:a="http://schemas.openxmlformats.org/drawingml/2006/main" xmlns:r="http://schemas.openxmlformats.org/officeDocument/2006/relationships" xmlns:p="http://schemas.openxmlformats.org/presentationml/2006/main">
   <p:cSld>
     <p:bg>
@@ -14413,7 +14538,7 @@
 </p:sld>
 </file>
 
-<file path=ppt/slides/slide28.xml><?xml version="1.0" encoding="utf-8"?>
+<file path=ppt/slides/slide29.xml><?xml version="1.0" encoding="utf-8"?>
 <p:sld xmlns:a="http://schemas.openxmlformats.org/drawingml/2006/main" xmlns:r="http://schemas.openxmlformats.org/officeDocument/2006/relationships" xmlns:p="http://schemas.openxmlformats.org/presentationml/2006/main">
   <p:cSld>
     <p:bg>
@@ -15246,8 +15371,8 @@
           </a:fontRef>
         </p:style>
       </p:cxnSp>
-      <mc:AlternateContent xmlns:mc="http://schemas.openxmlformats.org/markup-compatibility/2006">
-        <mc:Choice xmlns:a14="http://schemas.microsoft.com/office/drawing/2010/main" Requires="a14">
+      <mc:AlternateContent xmlns:mc="http://schemas.openxmlformats.org/markup-compatibility/2006" xmlns:a14="http://schemas.microsoft.com/office/drawing/2010/main">
+        <mc:Choice Requires="a14">
           <p:sp>
             <p:nvSpPr>
               <p:cNvPr id="5" name="Content Placeholder 4">
@@ -15516,7 +15641,7 @@
             </p:txBody>
           </p:sp>
         </mc:Choice>
-        <mc:Fallback>
+        <mc:Fallback xmlns="">
           <p:sp>
             <p:nvSpPr>
               <p:cNvPr id="5" name="Content Placeholder 4">
@@ -15573,7 +15698,144 @@
 </p:sld>
 </file>
 
-<file path=ppt/slides/slide29.xml><?xml version="1.0" encoding="utf-8"?>
+<file path=ppt/slides/slide3.xml><?xml version="1.0" encoding="utf-8"?>
+<p:sld xmlns:a="http://schemas.openxmlformats.org/drawingml/2006/main" xmlns:r="http://schemas.openxmlformats.org/officeDocument/2006/relationships" xmlns:p="http://schemas.openxmlformats.org/presentationml/2006/main">
+  <p:cSld>
+    <p:spTree>
+      <p:nvGrpSpPr>
+        <p:cNvPr id="1" name=""/>
+        <p:cNvGrpSpPr/>
+        <p:nvPr/>
+      </p:nvGrpSpPr>
+      <p:grpSpPr>
+        <a:xfrm>
+          <a:off x="0" y="0"/>
+          <a:ext cx="0" cy="0"/>
+          <a:chOff x="0" y="0"/>
+          <a:chExt cx="0" cy="0"/>
+        </a:xfrm>
+      </p:grpSpPr>
+      <p:sp>
+        <p:nvSpPr>
+          <p:cNvPr id="2" name="Title 1">
+            <a:extLst>
+              <a:ext uri="{FF2B5EF4-FFF2-40B4-BE49-F238E27FC236}">
+                <a16:creationId xmlns:a16="http://schemas.microsoft.com/office/drawing/2014/main" id="{DA77B980-3A17-4CAD-9E45-25F05B3ABDC0}"/>
+              </a:ext>
+            </a:extLst>
+          </p:cNvPr>
+          <p:cNvSpPr>
+            <a:spLocks noGrp="1"/>
+          </p:cNvSpPr>
+          <p:nvPr>
+            <p:ph type="title"/>
+          </p:nvPr>
+        </p:nvSpPr>
+        <p:spPr/>
+        <p:txBody>
+          <a:bodyPr/>
+          <a:lstStyle/>
+          <a:p>
+            <a:pPr algn="ctr"/>
+            <a:br>
+              <a:rPr lang="en-US" dirty="0"/>
+            </a:br>
+            <a:r>
+              <a:rPr lang="en-US" dirty="0"/>
+              <a:t>brief code overview</a:t>
+            </a:r>
+          </a:p>
+        </p:txBody>
+      </p:sp>
+      <p:sp>
+        <p:nvSpPr>
+          <p:cNvPr id="3" name="Content Placeholder 2">
+            <a:extLst>
+              <a:ext uri="{FF2B5EF4-FFF2-40B4-BE49-F238E27FC236}">
+                <a16:creationId xmlns:a16="http://schemas.microsoft.com/office/drawing/2014/main" id="{4D2C33BE-824C-4B36-834E-0BF22F620C55}"/>
+              </a:ext>
+            </a:extLst>
+          </p:cNvPr>
+          <p:cNvSpPr>
+            <a:spLocks noGrp="1"/>
+          </p:cNvSpPr>
+          <p:nvPr>
+            <p:ph idx="1"/>
+          </p:nvPr>
+        </p:nvSpPr>
+        <p:spPr>
+          <a:xfrm>
+            <a:off x="1451579" y="2015732"/>
+            <a:ext cx="9603275" cy="3896796"/>
+          </a:xfrm>
+        </p:spPr>
+        <p:txBody>
+          <a:bodyPr/>
+          <a:lstStyle/>
+          <a:p>
+            <a:r>
+              <a:rPr lang="en-US" dirty="0"/>
+              <a:t>utils.py</a:t>
+            </a:r>
+          </a:p>
+          <a:p>
+            <a:r>
+              <a:rPr lang="en-US" dirty="0"/>
+              <a:t>cfg_nodes.py</a:t>
+            </a:r>
+          </a:p>
+          <a:p>
+            <a:r>
+              <a:rPr lang="en-US" dirty="0"/>
+              <a:t>cfg.py</a:t>
+            </a:r>
+          </a:p>
+          <a:p>
+            <a:r>
+              <a:rPr lang="en-US" dirty="0"/>
+              <a:t>path.py</a:t>
+            </a:r>
+          </a:p>
+          <a:p>
+            <a:r>
+              <a:rPr lang="en-US" dirty="0"/>
+              <a:t>path_finder.py</a:t>
+            </a:r>
+          </a:p>
+          <a:p>
+            <a:r>
+              <a:rPr lang="en-US" dirty="0"/>
+              <a:t>verifier.py</a:t>
+            </a:r>
+          </a:p>
+          <a:p>
+            <a:r>
+              <a:rPr lang="en-US" dirty="0"/>
+              <a:t>main.py</a:t>
+            </a:r>
+          </a:p>
+          <a:p>
+            <a:r>
+              <a:rPr lang="en-US" dirty="0"/>
+              <a:t>run_all_tests.py</a:t>
+            </a:r>
+          </a:p>
+        </p:txBody>
+      </p:sp>
+    </p:spTree>
+    <p:extLst>
+      <p:ext uri="{BB962C8B-B14F-4D97-AF65-F5344CB8AC3E}">
+        <p14:creationId xmlns:p14="http://schemas.microsoft.com/office/powerpoint/2010/main" val="1817389654"/>
+      </p:ext>
+    </p:extLst>
+  </p:cSld>
+  <p:clrMapOvr>
+    <a:masterClrMapping/>
+  </p:clrMapOvr>
+</p:sld>
+</file>
+
+<file path=ppt/slides/slide30.xml><?xml version="1.0" encoding="utf-8"?>
 <p:sld xmlns:a="http://schemas.openxmlformats.org/drawingml/2006/main" xmlns:r="http://schemas.openxmlformats.org/officeDocument/2006/relationships" xmlns:p="http://schemas.openxmlformats.org/presentationml/2006/main">
   <p:cSld>
     <p:bg>
@@ -16388,144 +16650,7 @@
 </p:sld>
 </file>
 
-<file path=ppt/slides/slide3.xml><?xml version="1.0" encoding="utf-8"?>
-<p:sld xmlns:a="http://schemas.openxmlformats.org/drawingml/2006/main" xmlns:r="http://schemas.openxmlformats.org/officeDocument/2006/relationships" xmlns:p="http://schemas.openxmlformats.org/presentationml/2006/main">
-  <p:cSld>
-    <p:spTree>
-      <p:nvGrpSpPr>
-        <p:cNvPr id="1" name=""/>
-        <p:cNvGrpSpPr/>
-        <p:nvPr/>
-      </p:nvGrpSpPr>
-      <p:grpSpPr>
-        <a:xfrm>
-          <a:off x="0" y="0"/>
-          <a:ext cx="0" cy="0"/>
-          <a:chOff x="0" y="0"/>
-          <a:chExt cx="0" cy="0"/>
-        </a:xfrm>
-      </p:grpSpPr>
-      <p:sp>
-        <p:nvSpPr>
-          <p:cNvPr id="2" name="Title 1">
-            <a:extLst>
-              <a:ext uri="{FF2B5EF4-FFF2-40B4-BE49-F238E27FC236}">
-                <a16:creationId xmlns:a16="http://schemas.microsoft.com/office/drawing/2014/main" id="{DA77B980-3A17-4CAD-9E45-25F05B3ABDC0}"/>
-              </a:ext>
-            </a:extLst>
-          </p:cNvPr>
-          <p:cNvSpPr>
-            <a:spLocks noGrp="1"/>
-          </p:cNvSpPr>
-          <p:nvPr>
-            <p:ph type="title"/>
-          </p:nvPr>
-        </p:nvSpPr>
-        <p:spPr/>
-        <p:txBody>
-          <a:bodyPr/>
-          <a:lstStyle/>
-          <a:p>
-            <a:pPr algn="ctr"/>
-            <a:br>
-              <a:rPr lang="en-US" dirty="0"/>
-            </a:br>
-            <a:r>
-              <a:rPr lang="en-US" dirty="0"/>
-              <a:t>brief code overview</a:t>
-            </a:r>
-          </a:p>
-        </p:txBody>
-      </p:sp>
-      <p:sp>
-        <p:nvSpPr>
-          <p:cNvPr id="3" name="Content Placeholder 2">
-            <a:extLst>
-              <a:ext uri="{FF2B5EF4-FFF2-40B4-BE49-F238E27FC236}">
-                <a16:creationId xmlns:a16="http://schemas.microsoft.com/office/drawing/2014/main" id="{4D2C33BE-824C-4B36-834E-0BF22F620C55}"/>
-              </a:ext>
-            </a:extLst>
-          </p:cNvPr>
-          <p:cNvSpPr>
-            <a:spLocks noGrp="1"/>
-          </p:cNvSpPr>
-          <p:nvPr>
-            <p:ph idx="1"/>
-          </p:nvPr>
-        </p:nvSpPr>
-        <p:spPr>
-          <a:xfrm>
-            <a:off x="1451579" y="2015732"/>
-            <a:ext cx="9603275" cy="3896796"/>
-          </a:xfrm>
-        </p:spPr>
-        <p:txBody>
-          <a:bodyPr/>
-          <a:lstStyle/>
-          <a:p>
-            <a:r>
-              <a:rPr lang="en-US" dirty="0"/>
-              <a:t>utils.py</a:t>
-            </a:r>
-          </a:p>
-          <a:p>
-            <a:r>
-              <a:rPr lang="en-US" dirty="0"/>
-              <a:t>cfg_nodes.py</a:t>
-            </a:r>
-          </a:p>
-          <a:p>
-            <a:r>
-              <a:rPr lang="en-US" dirty="0"/>
-              <a:t>cfg.py</a:t>
-            </a:r>
-          </a:p>
-          <a:p>
-            <a:r>
-              <a:rPr lang="en-US" dirty="0"/>
-              <a:t>path.py</a:t>
-            </a:r>
-          </a:p>
-          <a:p>
-            <a:r>
-              <a:rPr lang="en-US" dirty="0"/>
-              <a:t>path_finder.py</a:t>
-            </a:r>
-          </a:p>
-          <a:p>
-            <a:r>
-              <a:rPr lang="en-US" dirty="0"/>
-              <a:t>verifier.py</a:t>
-            </a:r>
-          </a:p>
-          <a:p>
-            <a:r>
-              <a:rPr lang="en-US" dirty="0"/>
-              <a:t>main.py</a:t>
-            </a:r>
-          </a:p>
-          <a:p>
-            <a:r>
-              <a:rPr lang="en-US" dirty="0"/>
-              <a:t>run_all_tests.py</a:t>
-            </a:r>
-          </a:p>
-        </p:txBody>
-      </p:sp>
-    </p:spTree>
-    <p:extLst>
-      <p:ext uri="{BB962C8B-B14F-4D97-AF65-F5344CB8AC3E}">
-        <p14:creationId xmlns:p14="http://schemas.microsoft.com/office/powerpoint/2010/main" val="1817389654"/>
-      </p:ext>
-    </p:extLst>
-  </p:cSld>
-  <p:clrMapOvr>
-    <a:masterClrMapping/>
-  </p:clrMapOvr>
-</p:sld>
-</file>
-
-<file path=ppt/slides/slide30.xml><?xml version="1.0" encoding="utf-8"?>
+<file path=ppt/slides/slide31.xml><?xml version="1.0" encoding="utf-8"?>
 <p:sld xmlns:a="http://schemas.openxmlformats.org/drawingml/2006/main" xmlns:r="http://schemas.openxmlformats.org/officeDocument/2006/relationships" xmlns:p="http://schemas.openxmlformats.org/presentationml/2006/main">
   <p:cSld>
     <p:bg>
@@ -17340,7 +17465,7 @@
 </p:sld>
 </file>
 
-<file path=ppt/slides/slide31.xml><?xml version="1.0" encoding="utf-8"?>
+<file path=ppt/slides/slide32.xml><?xml version="1.0" encoding="utf-8"?>
 <p:sld xmlns:a="http://schemas.openxmlformats.org/drawingml/2006/main" xmlns:r="http://schemas.openxmlformats.org/officeDocument/2006/relationships" xmlns:p="http://schemas.openxmlformats.org/presentationml/2006/main">
   <p:cSld>
     <p:spTree>
@@ -17456,7 +17581,7 @@
 </p:sld>
 </file>
 
-<file path=ppt/slides/slide32.xml><?xml version="1.0" encoding="utf-8"?>
+<file path=ppt/slides/slide33.xml><?xml version="1.0" encoding="utf-8"?>
 <p:sld xmlns:a="http://schemas.openxmlformats.org/drawingml/2006/main" xmlns:r="http://schemas.openxmlformats.org/officeDocument/2006/relationships" xmlns:p="http://schemas.openxmlformats.org/presentationml/2006/main">
   <p:cSld>
     <p:spTree>
@@ -17598,7 +17723,7 @@
 </p:sld>
 </file>
 
-<file path=ppt/slides/slide33.xml><?xml version="1.0" encoding="utf-8"?>
+<file path=ppt/slides/slide34.xml><?xml version="1.0" encoding="utf-8"?>
 <p:sld xmlns:a="http://schemas.openxmlformats.org/drawingml/2006/main" xmlns:r="http://schemas.openxmlformats.org/officeDocument/2006/relationships" xmlns:p="http://schemas.openxmlformats.org/presentationml/2006/main">
   <p:cSld>
     <p:bg>
@@ -18474,7 +18599,7 @@
 </p:sld>
 </file>
 
-<file path=ppt/slides/slide34.xml><?xml version="1.0" encoding="utf-8"?>
+<file path=ppt/slides/slide35.xml><?xml version="1.0" encoding="utf-8"?>
 <p:sld xmlns:a="http://schemas.openxmlformats.org/drawingml/2006/main" xmlns:r="http://schemas.openxmlformats.org/officeDocument/2006/relationships" xmlns:p="http://schemas.openxmlformats.org/presentationml/2006/main">
   <p:cSld>
     <p:bg>
@@ -19350,7 +19475,7 @@
 </p:sld>
 </file>
 
-<file path=ppt/slides/slide35.xml><?xml version="1.0" encoding="utf-8"?>
+<file path=ppt/slides/slide36.xml><?xml version="1.0" encoding="utf-8"?>
 <p:sld xmlns:a="http://schemas.openxmlformats.org/drawingml/2006/main" xmlns:r="http://schemas.openxmlformats.org/officeDocument/2006/relationships" xmlns:p="http://schemas.openxmlformats.org/presentationml/2006/main">
   <p:cSld>
     <p:bg>
@@ -20226,7 +20351,7 @@
 </p:sld>
 </file>
 
-<file path=ppt/slides/slide36.xml><?xml version="1.0" encoding="utf-8"?>
+<file path=ppt/slides/slide37.xml><?xml version="1.0" encoding="utf-8"?>
 <p:sld xmlns:a="http://schemas.openxmlformats.org/drawingml/2006/main" xmlns:r="http://schemas.openxmlformats.org/officeDocument/2006/relationships" xmlns:p="http://schemas.openxmlformats.org/presentationml/2006/main">
   <p:cSld>
     <p:bg>
@@ -21037,7 +21162,7 @@
 </p:sld>
 </file>
 
-<file path=ppt/slides/slide37.xml><?xml version="1.0" encoding="utf-8"?>
+<file path=ppt/slides/slide38.xml><?xml version="1.0" encoding="utf-8"?>
 <p:sld xmlns:a="http://schemas.openxmlformats.org/drawingml/2006/main" xmlns:r="http://schemas.openxmlformats.org/officeDocument/2006/relationships" xmlns:p="http://schemas.openxmlformats.org/presentationml/2006/main">
   <p:cSld>
     <p:bg>
@@ -21805,8 +21930,8 @@
           </a:fontRef>
         </p:style>
       </p:cxnSp>
-      <mc:AlternateContent xmlns:mc="http://schemas.openxmlformats.org/markup-compatibility/2006">
-        <mc:Choice xmlns:a14="http://schemas.microsoft.com/office/drawing/2010/main" Requires="a14">
+      <mc:AlternateContent xmlns:mc="http://schemas.openxmlformats.org/markup-compatibility/2006" xmlns:a14="http://schemas.microsoft.com/office/drawing/2010/main">
+        <mc:Choice Requires="a14">
           <p:sp>
             <p:nvSpPr>
               <p:cNvPr id="4" name="Rectangle 3">
@@ -21834,6 +21959,7 @@
               </a:bodyPr>
               <a:lstStyle/>
               <a:p>
+                <a:pPr/>
                 <a14:m>
                   <m:oMathPara xmlns:m="http://schemas.openxmlformats.org/officeDocument/2006/math">
                     <m:oMathParaPr>
@@ -21850,7 +21976,13 @@
                         <a:rPr lang="en-US" b="0" i="1" smtClean="0">
                           <a:latin typeface="Cambria Math" panose="02040503050406030204" pitchFamily="18" charset="0"/>
                         </a:rPr>
-                        <m:t>#1</m:t>
+                        <m:t>#</m:t>
+                      </m:r>
+                      <m:r>
+                        <a:rPr lang="en-US" b="0" i="1" smtClean="0">
+                          <a:latin typeface="Cambria Math" panose="02040503050406030204" pitchFamily="18" charset="0"/>
+                        </a:rPr>
+                        <m:t>1</m:t>
                       </m:r>
                       <m:d>
                         <m:dPr>
@@ -21978,7 +22110,13 @@
                             <a:rPr lang="en-US" b="0" i="1" smtClean="0">
                               <a:latin typeface="Cambria Math" panose="02040503050406030204" pitchFamily="18" charset="0"/>
                             </a:rPr>
-                            <m:t>≤0</m:t>
+                            <m:t>≤</m:t>
+                          </m:r>
+                          <m:r>
+                            <a:rPr lang="en-US" b="0" i="1" smtClean="0">
+                              <a:latin typeface="Cambria Math" panose="02040503050406030204" pitchFamily="18" charset="0"/>
+                            </a:rPr>
+                            <m:t>0</m:t>
                           </m:r>
                         </m:e>
                       </m:d>
@@ -22043,7 +22181,13 @@
                             <a:rPr lang="en-US" b="0" i="1" smtClean="0">
                               <a:latin typeface="Cambria Math" panose="02040503050406030204" pitchFamily="18" charset="0"/>
                             </a:rPr>
-                            <m:t>≤0</m:t>
+                            <m:t>≤</m:t>
+                          </m:r>
+                          <m:r>
+                            <a:rPr lang="en-US" b="0" i="1" smtClean="0">
+                              <a:latin typeface="Cambria Math" panose="02040503050406030204" pitchFamily="18" charset="0"/>
+                            </a:rPr>
+                            <m:t>0</m:t>
                           </m:r>
                         </m:e>
                       </m:d>
@@ -22096,7 +22240,13 @@
                             <a:rPr lang="en-US" b="0" i="1" smtClean="0">
                               <a:latin typeface="Cambria Math" panose="02040503050406030204" pitchFamily="18" charset="0"/>
                             </a:rPr>
-                            <m:t>≤0</m:t>
+                            <m:t>≤</m:t>
+                          </m:r>
+                          <m:r>
+                            <a:rPr lang="en-US" b="0" i="1" smtClean="0">
+                              <a:latin typeface="Cambria Math" panose="02040503050406030204" pitchFamily="18" charset="0"/>
+                            </a:rPr>
+                            <m:t>0</m:t>
                           </m:r>
                         </m:e>
                       </m:d>
@@ -22379,7 +22529,7 @@
             </p:txBody>
           </p:sp>
         </mc:Choice>
-        <mc:Fallback>
+        <mc:Fallback xmlns="">
           <p:sp>
             <p:nvSpPr>
               <p:cNvPr id="4" name="Rectangle 3">
@@ -22437,7 +22587,7 @@
 </p:sld>
 </file>
 
-<file path=ppt/slides/slide38.xml><?xml version="1.0" encoding="utf-8"?>
+<file path=ppt/slides/slide39.xml><?xml version="1.0" encoding="utf-8"?>
 <p:sld xmlns:a="http://schemas.openxmlformats.org/drawingml/2006/main" xmlns:r="http://schemas.openxmlformats.org/officeDocument/2006/relationships" xmlns:p="http://schemas.openxmlformats.org/presentationml/2006/main">
   <p:cSld>
     <p:bg>
@@ -23052,114 +23202,6 @@
     <p:extLst>
       <p:ext uri="{BB962C8B-B14F-4D97-AF65-F5344CB8AC3E}">
         <p14:creationId xmlns:p14="http://schemas.microsoft.com/office/powerpoint/2010/main" val="4007748438"/>
-      </p:ext>
-    </p:extLst>
-  </p:cSld>
-  <p:clrMapOvr>
-    <a:masterClrMapping/>
-  </p:clrMapOvr>
-</p:sld>
-</file>
-
-<file path=ppt/slides/slide39.xml><?xml version="1.0" encoding="utf-8"?>
-<p:sld xmlns:a="http://schemas.openxmlformats.org/drawingml/2006/main" xmlns:r="http://schemas.openxmlformats.org/officeDocument/2006/relationships" xmlns:p="http://schemas.openxmlformats.org/presentationml/2006/main">
-  <p:cSld>
-    <p:spTree>
-      <p:nvGrpSpPr>
-        <p:cNvPr id="1" name=""/>
-        <p:cNvGrpSpPr/>
-        <p:nvPr/>
-      </p:nvGrpSpPr>
-      <p:grpSpPr>
-        <a:xfrm>
-          <a:off x="0" y="0"/>
-          <a:ext cx="0" cy="0"/>
-          <a:chOff x="0" y="0"/>
-          <a:chExt cx="0" cy="0"/>
-        </a:xfrm>
-      </p:grpSpPr>
-      <p:sp>
-        <p:nvSpPr>
-          <p:cNvPr id="2" name="Title 1">
-            <a:extLst>
-              <a:ext uri="{FF2B5EF4-FFF2-40B4-BE49-F238E27FC236}">
-                <a16:creationId xmlns:a16="http://schemas.microsoft.com/office/drawing/2014/main" id="{ACCA004F-8FBC-4759-8AE1-66B9F035C9D1}"/>
-              </a:ext>
-            </a:extLst>
-          </p:cNvPr>
-          <p:cNvSpPr>
-            <a:spLocks noGrp="1"/>
-          </p:cNvSpPr>
-          <p:nvPr>
-            <p:ph type="title"/>
-          </p:nvPr>
-        </p:nvSpPr>
-        <p:spPr/>
-        <p:txBody>
-          <a:bodyPr/>
-          <a:lstStyle/>
-          <a:p>
-            <a:pPr algn="ctr"/>
-            <a:br>
-              <a:rPr lang="en-US" dirty="0"/>
-            </a:br>
-            <a:r>
-              <a:rPr lang="en-US" dirty="0"/>
-              <a:t>verification output</a:t>
-            </a:r>
-          </a:p>
-        </p:txBody>
-      </p:sp>
-      <p:sp>
-        <p:nvSpPr>
-          <p:cNvPr id="3" name="Content Placeholder 2">
-            <a:extLst>
-              <a:ext uri="{FF2B5EF4-FFF2-40B4-BE49-F238E27FC236}">
-                <a16:creationId xmlns:a16="http://schemas.microsoft.com/office/drawing/2014/main" id="{2AA97A87-2081-4C67-B25E-E5A502446F8C}"/>
-              </a:ext>
-            </a:extLst>
-          </p:cNvPr>
-          <p:cNvSpPr>
-            <a:spLocks noGrp="1"/>
-          </p:cNvSpPr>
-          <p:nvPr>
-            <p:ph idx="1"/>
-          </p:nvPr>
-        </p:nvSpPr>
-        <p:spPr/>
-        <p:txBody>
-          <a:bodyPr/>
-          <a:lstStyle/>
-          <a:p>
-            <a:r>
-              <a:rPr lang="en-US" dirty="0"/>
-              <a:t>Our verifier provides textual log of the verification process</a:t>
-            </a:r>
-          </a:p>
-          <a:p>
-            <a:r>
-              <a:rPr lang="en-US" dirty="0"/>
-              <a:t>It has 5 verbosity levels</a:t>
-            </a:r>
-          </a:p>
-          <a:p>
-            <a:r>
-              <a:rPr lang="en-US" dirty="0"/>
-              <a:t>If using “run_all_tests.py”, there will be a log file for each function with each verbosity level in “output” directory</a:t>
-            </a:r>
-          </a:p>
-          <a:p>
-            <a:r>
-              <a:rPr lang="en-US" dirty="0"/>
-              <a:t>Also, there is an option to get a CFG visualization (stored in “CFGs” directory)</a:t>
-            </a:r>
-          </a:p>
-        </p:txBody>
-      </p:sp>
-    </p:spTree>
-    <p:extLst>
-      <p:ext uri="{BB962C8B-B14F-4D97-AF65-F5344CB8AC3E}">
-        <p14:creationId xmlns:p14="http://schemas.microsoft.com/office/powerpoint/2010/main" val="664666176"/>
       </p:ext>
     </p:extLst>
   </p:cSld>
@@ -23331,6 +23373,114 @@
           <p:cNvPr id="2" name="Title 1">
             <a:extLst>
               <a:ext uri="{FF2B5EF4-FFF2-40B4-BE49-F238E27FC236}">
+                <a16:creationId xmlns:a16="http://schemas.microsoft.com/office/drawing/2014/main" id="{ACCA004F-8FBC-4759-8AE1-66B9F035C9D1}"/>
+              </a:ext>
+            </a:extLst>
+          </p:cNvPr>
+          <p:cNvSpPr>
+            <a:spLocks noGrp="1"/>
+          </p:cNvSpPr>
+          <p:nvPr>
+            <p:ph type="title"/>
+          </p:nvPr>
+        </p:nvSpPr>
+        <p:spPr/>
+        <p:txBody>
+          <a:bodyPr/>
+          <a:lstStyle/>
+          <a:p>
+            <a:pPr algn="ctr"/>
+            <a:br>
+              <a:rPr lang="en-US" dirty="0"/>
+            </a:br>
+            <a:r>
+              <a:rPr lang="en-US" dirty="0"/>
+              <a:t>verification output</a:t>
+            </a:r>
+          </a:p>
+        </p:txBody>
+      </p:sp>
+      <p:sp>
+        <p:nvSpPr>
+          <p:cNvPr id="3" name="Content Placeholder 2">
+            <a:extLst>
+              <a:ext uri="{FF2B5EF4-FFF2-40B4-BE49-F238E27FC236}">
+                <a16:creationId xmlns:a16="http://schemas.microsoft.com/office/drawing/2014/main" id="{2AA97A87-2081-4C67-B25E-E5A502446F8C}"/>
+              </a:ext>
+            </a:extLst>
+          </p:cNvPr>
+          <p:cNvSpPr>
+            <a:spLocks noGrp="1"/>
+          </p:cNvSpPr>
+          <p:nvPr>
+            <p:ph idx="1"/>
+          </p:nvPr>
+        </p:nvSpPr>
+        <p:spPr/>
+        <p:txBody>
+          <a:bodyPr/>
+          <a:lstStyle/>
+          <a:p>
+            <a:r>
+              <a:rPr lang="en-US" dirty="0"/>
+              <a:t>Our verifier provides textual log of the verification process</a:t>
+            </a:r>
+          </a:p>
+          <a:p>
+            <a:r>
+              <a:rPr lang="en-US" dirty="0"/>
+              <a:t>It has 5 verbosity levels</a:t>
+            </a:r>
+          </a:p>
+          <a:p>
+            <a:r>
+              <a:rPr lang="en-US" dirty="0"/>
+              <a:t>If using “run_all_tests.py”, there will be a log file for each function with each verbosity level in “output” directory</a:t>
+            </a:r>
+          </a:p>
+          <a:p>
+            <a:r>
+              <a:rPr lang="en-US" dirty="0"/>
+              <a:t>Also, there is an option to get a CFG visualization (stored in “CFGs” directory)</a:t>
+            </a:r>
+          </a:p>
+        </p:txBody>
+      </p:sp>
+    </p:spTree>
+    <p:extLst>
+      <p:ext uri="{BB962C8B-B14F-4D97-AF65-F5344CB8AC3E}">
+        <p14:creationId xmlns:p14="http://schemas.microsoft.com/office/powerpoint/2010/main" val="664666176"/>
+      </p:ext>
+    </p:extLst>
+  </p:cSld>
+  <p:clrMapOvr>
+    <a:masterClrMapping/>
+  </p:clrMapOvr>
+</p:sld>
+</file>
+
+<file path=ppt/slides/slide41.xml><?xml version="1.0" encoding="utf-8"?>
+<p:sld xmlns:a="http://schemas.openxmlformats.org/drawingml/2006/main" xmlns:r="http://schemas.openxmlformats.org/officeDocument/2006/relationships" xmlns:p="http://schemas.openxmlformats.org/presentationml/2006/main">
+  <p:cSld>
+    <p:spTree>
+      <p:nvGrpSpPr>
+        <p:cNvPr id="1" name=""/>
+        <p:cNvGrpSpPr/>
+        <p:nvPr/>
+      </p:nvGrpSpPr>
+      <p:grpSpPr>
+        <a:xfrm>
+          <a:off x="0" y="0"/>
+          <a:ext cx="0" cy="0"/>
+          <a:chOff x="0" y="0"/>
+          <a:chExt cx="0" cy="0"/>
+        </a:xfrm>
+      </p:grpSpPr>
+      <p:sp>
+        <p:nvSpPr>
+          <p:cNvPr id="2" name="Title 1">
+            <a:extLst>
+              <a:ext uri="{FF2B5EF4-FFF2-40B4-BE49-F238E27FC236}">
                 <a16:creationId xmlns:a16="http://schemas.microsoft.com/office/drawing/2014/main" id="{61916599-C479-4B96-9374-4FD875A6E0ED}"/>
               </a:ext>
             </a:extLst>
@@ -23358,8 +23508,8 @@
           </a:p>
         </p:txBody>
       </p:sp>
-      <mc:AlternateContent xmlns:mc="http://schemas.openxmlformats.org/markup-compatibility/2006">
-        <mc:Choice xmlns:a14="http://schemas.microsoft.com/office/drawing/2010/main" Requires="a14">
+      <mc:AlternateContent xmlns:mc="http://schemas.openxmlformats.org/markup-compatibility/2006" xmlns:a14="http://schemas.microsoft.com/office/drawing/2010/main">
+        <mc:Choice Requires="a14">
           <p:sp>
             <p:nvSpPr>
               <p:cNvPr id="3" name="Content Placeholder 2">
@@ -23569,7 +23719,7 @@
             </p:txBody>
           </p:sp>
         </mc:Choice>
-        <mc:Fallback>
+        <mc:Fallback xmlns="">
           <p:sp>
             <p:nvSpPr>
               <p:cNvPr id="3" name="Content Placeholder 2">
@@ -23622,7 +23772,7 @@
 </p:sld>
 </file>
 
-<file path=ppt/slides/slide41.xml><?xml version="1.0" encoding="utf-8"?>
+<file path=ppt/slides/slide42.xml><?xml version="1.0" encoding="utf-8"?>
 <p:sld xmlns:a="http://schemas.openxmlformats.org/drawingml/2006/main" xmlns:r="http://schemas.openxmlformats.org/officeDocument/2006/relationships" xmlns:p="http://schemas.openxmlformats.org/presentationml/2006/main">
   <p:cSld>
     <p:spTree>
@@ -23740,7 +23890,7 @@
 </p:sld>
 </file>
 
-<file path=ppt/slides/slide42.xml><?xml version="1.0" encoding="utf-8"?>
+<file path=ppt/slides/slide43.xml><?xml version="1.0" encoding="utf-8"?>
 <p:sld xmlns:a="http://schemas.openxmlformats.org/drawingml/2006/main" xmlns:r="http://schemas.openxmlformats.org/officeDocument/2006/relationships" xmlns:p="http://schemas.openxmlformats.org/presentationml/2006/main">
   <p:cSld>
     <p:bg>
@@ -24364,7 +24514,7 @@
 </p:sld>
 </file>
 
-<file path=ppt/slides/slide43.xml><?xml version="1.0" encoding="utf-8"?>
+<file path=ppt/slides/slide44.xml><?xml version="1.0" encoding="utf-8"?>
 <p:sld xmlns:a="http://schemas.openxmlformats.org/drawingml/2006/main" xmlns:r="http://schemas.openxmlformats.org/officeDocument/2006/relationships" xmlns:p="http://schemas.openxmlformats.org/presentationml/2006/main">
   <p:cSld>
     <p:bg>
@@ -25242,7 +25392,7 @@
 </p:sld>
 </file>
 
-<file path=ppt/slides/slide44.xml><?xml version="1.0" encoding="utf-8"?>
+<file path=ppt/slides/slide45.xml><?xml version="1.0" encoding="utf-8"?>
 <p:sld xmlns:a="http://schemas.openxmlformats.org/drawingml/2006/main" xmlns:r="http://schemas.openxmlformats.org/officeDocument/2006/relationships" xmlns:p="http://schemas.openxmlformats.org/presentationml/2006/main">
   <p:cSld>
     <p:bg>
@@ -25866,7 +26016,7 @@
 </p:sld>
 </file>
 
-<file path=ppt/slides/slide45.xml><?xml version="1.0" encoding="utf-8"?>
+<file path=ppt/slides/slide46.xml><?xml version="1.0" encoding="utf-8"?>
 <p:sld xmlns:a="http://schemas.openxmlformats.org/drawingml/2006/main" xmlns:r="http://schemas.openxmlformats.org/officeDocument/2006/relationships" xmlns:p="http://schemas.openxmlformats.org/presentationml/2006/main">
   <p:cSld>
     <p:spTree>
@@ -25968,7 +26118,7 @@
 </p:sld>
 </file>
 
-<file path=ppt/slides/slide46.xml><?xml version="1.0" encoding="utf-8"?>
+<file path=ppt/slides/slide47.xml><?xml version="1.0" encoding="utf-8"?>
 <p:sld xmlns:a="http://schemas.openxmlformats.org/drawingml/2006/main" xmlns:r="http://schemas.openxmlformats.org/officeDocument/2006/relationships" xmlns:p="http://schemas.openxmlformats.org/presentationml/2006/main">
   <p:cSld>
     <p:spTree>
@@ -26076,7 +26226,7 @@
 </p:sld>
 </file>
 
-<file path=ppt/slides/slide47.xml><?xml version="1.0" encoding="utf-8"?>
+<file path=ppt/slides/slide48.xml><?xml version="1.0" encoding="utf-8"?>
 <p:sld xmlns:a="http://schemas.openxmlformats.org/drawingml/2006/main" xmlns:r="http://schemas.openxmlformats.org/officeDocument/2006/relationships" xmlns:p="http://schemas.openxmlformats.org/presentationml/2006/main">
   <p:cSld>
     <p:spTree>
@@ -26185,7 +26335,7 @@
 </p:sld>
 </file>
 
-<file path=ppt/slides/slide48.xml><?xml version="1.0" encoding="utf-8"?>
+<file path=ppt/slides/slide49.xml><?xml version="1.0" encoding="utf-8"?>
 <p:sld xmlns:a="http://schemas.openxmlformats.org/drawingml/2006/main" xmlns:r="http://schemas.openxmlformats.org/officeDocument/2006/relationships" xmlns:p="http://schemas.openxmlformats.org/presentationml/2006/main">
   <p:cSld>
     <p:spTree>
@@ -26315,7 +26465,247 @@
 </p:sld>
 </file>
 
-<file path=ppt/slides/slide49.xml><?xml version="1.0" encoding="utf-8"?>
+<file path=ppt/slides/slide5.xml><?xml version="1.0" encoding="utf-8"?>
+<p:sld xmlns:a="http://schemas.openxmlformats.org/drawingml/2006/main" xmlns:r="http://schemas.openxmlformats.org/officeDocument/2006/relationships" xmlns:p="http://schemas.openxmlformats.org/presentationml/2006/main">
+  <p:cSld>
+    <p:spTree>
+      <p:nvGrpSpPr>
+        <p:cNvPr id="1" name=""/>
+        <p:cNvGrpSpPr/>
+        <p:nvPr/>
+      </p:nvGrpSpPr>
+      <p:grpSpPr>
+        <a:xfrm>
+          <a:off x="0" y="0"/>
+          <a:ext cx="0" cy="0"/>
+          <a:chOff x="0" y="0"/>
+          <a:chExt cx="0" cy="0"/>
+        </a:xfrm>
+      </p:grpSpPr>
+      <p:sp>
+        <p:nvSpPr>
+          <p:cNvPr id="2" name="Title 1">
+            <a:extLst>
+              <a:ext uri="{FF2B5EF4-FFF2-40B4-BE49-F238E27FC236}">
+                <a16:creationId xmlns:a16="http://schemas.microsoft.com/office/drawing/2014/main" id="{C3DB7D1D-D316-4A37-ABF4-DF33D56B870E}"/>
+              </a:ext>
+            </a:extLst>
+          </p:cNvPr>
+          <p:cNvSpPr>
+            <a:spLocks noGrp="1"/>
+          </p:cNvSpPr>
+          <p:nvPr>
+            <p:ph type="title"/>
+          </p:nvPr>
+        </p:nvSpPr>
+        <p:spPr/>
+        <p:txBody>
+          <a:bodyPr/>
+          <a:lstStyle/>
+          <a:p>
+            <a:pPr algn="ctr"/>
+            <a:br>
+              <a:rPr lang="en-US" dirty="0"/>
+            </a:br>
+            <a:r>
+              <a:rPr lang="en-US" dirty="0"/>
+              <a:t>utils.py – reading user configuration</a:t>
+            </a:r>
+          </a:p>
+        </p:txBody>
+      </p:sp>
+      <mc:AlternateContent xmlns:mc="http://schemas.openxmlformats.org/markup-compatibility/2006" xmlns:a14="http://schemas.microsoft.com/office/drawing/2010/main">
+        <mc:Choice Requires="a14">
+          <p:sp>
+            <p:nvSpPr>
+              <p:cNvPr id="3" name="Content Placeholder 2">
+                <a:extLst>
+                  <a:ext uri="{FF2B5EF4-FFF2-40B4-BE49-F238E27FC236}">
+                    <a16:creationId xmlns:a16="http://schemas.microsoft.com/office/drawing/2014/main" id="{FF1D2EB4-9AAA-40CC-AC91-BD1E78AE77D0}"/>
+                  </a:ext>
+                </a:extLst>
+              </p:cNvPr>
+              <p:cNvSpPr>
+                <a:spLocks noGrp="1"/>
+              </p:cNvSpPr>
+              <p:nvPr>
+                <p:ph idx="1"/>
+              </p:nvPr>
+            </p:nvSpPr>
+            <p:spPr/>
+            <p:txBody>
+              <a:bodyPr/>
+              <a:lstStyle/>
+              <a:p>
+                <a:pPr marL="0" indent="0">
+                  <a:buNone/>
+                </a:pPr>
+                <a:r>
+                  <a:rPr lang="en-US" dirty="0"/>
+                  <a:t>We implemented a way for user to configure </a:t>
+                </a:r>
+                <a14:m>
+                  <m:oMath xmlns:m="http://schemas.openxmlformats.org/officeDocument/2006/math">
+                    <m:sSub>
+                      <m:sSubPr>
+                        <m:ctrlPr>
+                          <a:rPr lang="en-US" b="0" i="1" smtClean="0">
+                            <a:latin typeface="Cambria Math" panose="02040503050406030204" pitchFamily="18" charset="0"/>
+                          </a:rPr>
+                        </m:ctrlPr>
+                      </m:sSubPr>
+                      <m:e>
+                        <m:r>
+                          <a:rPr lang="en-US" b="0" i="1" smtClean="0">
+                            <a:latin typeface="Cambria Math" panose="02040503050406030204" pitchFamily="18" charset="0"/>
+                          </a:rPr>
+                          <m:t>𝑞</m:t>
+                        </m:r>
+                      </m:e>
+                      <m:sub>
+                        <m:r>
+                          <a:rPr lang="en-US" b="0" i="1" smtClean="0">
+                            <a:latin typeface="Cambria Math" panose="02040503050406030204" pitchFamily="18" charset="0"/>
+                          </a:rPr>
+                          <m:t>1</m:t>
+                        </m:r>
+                      </m:sub>
+                    </m:sSub>
+                    <m:r>
+                      <a:rPr lang="en-US" b="0" i="1" smtClean="0">
+                        <a:latin typeface="Cambria Math" panose="02040503050406030204" pitchFamily="18" charset="0"/>
+                      </a:rPr>
+                      <m:t>,</m:t>
+                    </m:r>
+                    <m:sSub>
+                      <m:sSubPr>
+                        <m:ctrlPr>
+                          <a:rPr lang="en-US" b="0" i="1" smtClean="0">
+                            <a:latin typeface="Cambria Math" panose="02040503050406030204" pitchFamily="18" charset="0"/>
+                          </a:rPr>
+                        </m:ctrlPr>
+                      </m:sSubPr>
+                      <m:e>
+                        <m:r>
+                          <a:rPr lang="en-US" b="0" i="1" smtClean="0">
+                            <a:latin typeface="Cambria Math" panose="02040503050406030204" pitchFamily="18" charset="0"/>
+                          </a:rPr>
+                          <m:t>𝑞</m:t>
+                        </m:r>
+                      </m:e>
+                      <m:sub>
+                        <m:r>
+                          <a:rPr lang="en-US" b="0" i="1" smtClean="0">
+                            <a:latin typeface="Cambria Math" panose="02040503050406030204" pitchFamily="18" charset="0"/>
+                          </a:rPr>
+                          <m:t>2</m:t>
+                        </m:r>
+                      </m:sub>
+                    </m:sSub>
+                  </m:oMath>
+                </a14:m>
+                <a:r>
+                  <a:rPr lang="en-US" dirty="0"/>
+                  <a:t> and invariants using INI files.</a:t>
+                </a:r>
+              </a:p>
+              <a:p>
+                <a:pPr marL="0" indent="0">
+                  <a:buNone/>
+                </a:pPr>
+                <a:r>
+                  <a:rPr lang="en-US" dirty="0"/>
+                  <a:t>In order to configure parameters for verification of function “foo” located at “benchmarks/c/</a:t>
+                </a:r>
+                <a:r>
+                  <a:rPr lang="en-US" dirty="0" err="1"/>
+                  <a:t>file.c</a:t>
+                </a:r>
+                <a:r>
+                  <a:rPr lang="en-US" dirty="0"/>
+                  <a:t>”, configuration should appear in “benchmarks/</a:t>
+                </a:r>
+                <a:r>
+                  <a:rPr lang="en-US" dirty="0" err="1"/>
+                  <a:t>config_files</a:t>
+                </a:r>
+                <a:r>
+                  <a:rPr lang="en-US" dirty="0"/>
+                  <a:t>/file.ini” under the section “[foo]”.</a:t>
+                </a:r>
+              </a:p>
+              <a:p>
+                <a:pPr marL="0" indent="0">
+                  <a:buNone/>
+                </a:pPr>
+                <a:endParaRPr lang="en-US" dirty="0"/>
+              </a:p>
+              <a:p>
+                <a:pPr marL="0" indent="0">
+                  <a:buNone/>
+                </a:pPr>
+                <a:r>
+                  <a:rPr lang="en-US" dirty="0"/>
+                  <a:t>In order to receive the expressions in the same way as the verified function expressions, we write a temporary C file with the configuration, and then parse it using “node”.</a:t>
+                </a:r>
+              </a:p>
+            </p:txBody>
+          </p:sp>
+        </mc:Choice>
+        <mc:Fallback xmlns="">
+          <p:sp>
+            <p:nvSpPr>
+              <p:cNvPr id="3" name="Content Placeholder 2">
+                <a:extLst>
+                  <a:ext uri="{FF2B5EF4-FFF2-40B4-BE49-F238E27FC236}">
+                    <a16:creationId xmlns:a16="http://schemas.microsoft.com/office/drawing/2014/main" id="{FF1D2EB4-9AAA-40CC-AC91-BD1E78AE77D0}"/>
+                  </a:ext>
+                </a:extLst>
+              </p:cNvPr>
+              <p:cNvSpPr>
+                <a:spLocks noGrp="1" noRot="1" noChangeAspect="1" noMove="1" noResize="1" noEditPoints="1" noAdjustHandles="1" noChangeArrowheads="1" noChangeShapeType="1" noTextEdit="1"/>
+              </p:cNvSpPr>
+              <p:nvPr>
+                <p:ph idx="1"/>
+              </p:nvPr>
+            </p:nvSpPr>
+            <p:spPr>
+              <a:blipFill>
+                <a:blip r:embed="rId2"/>
+                <a:stretch>
+                  <a:fillRect l="-635" t="-177"/>
+                </a:stretch>
+              </a:blipFill>
+            </p:spPr>
+            <p:txBody>
+              <a:bodyPr/>
+              <a:lstStyle/>
+              <a:p>
+                <a:r>
+                  <a:rPr lang="en-US">
+                    <a:noFill/>
+                  </a:rPr>
+                  <a:t> </a:t>
+                </a:r>
+              </a:p>
+            </p:txBody>
+          </p:sp>
+        </mc:Fallback>
+      </mc:AlternateContent>
+    </p:spTree>
+    <p:extLst>
+      <p:ext uri="{BB962C8B-B14F-4D97-AF65-F5344CB8AC3E}">
+        <p14:creationId xmlns:p14="http://schemas.microsoft.com/office/powerpoint/2010/main" val="1335571554"/>
+      </p:ext>
+    </p:extLst>
+  </p:cSld>
+  <p:clrMapOvr>
+    <a:masterClrMapping/>
+  </p:clrMapOvr>
+</p:sld>
+</file>
+
+<file path=ppt/slides/slide50.xml><?xml version="1.0" encoding="utf-8"?>
 <p:sld xmlns:a="http://schemas.openxmlformats.org/drawingml/2006/main" xmlns:r="http://schemas.openxmlformats.org/officeDocument/2006/relationships" xmlns:p="http://schemas.openxmlformats.org/presentationml/2006/main">
   <p:cSld>
     <p:bg>
@@ -27192,247 +27582,7 @@
 </p:sld>
 </file>
 
-<file path=ppt/slides/slide5.xml><?xml version="1.0" encoding="utf-8"?>
-<p:sld xmlns:a="http://schemas.openxmlformats.org/drawingml/2006/main" xmlns:r="http://schemas.openxmlformats.org/officeDocument/2006/relationships" xmlns:p="http://schemas.openxmlformats.org/presentationml/2006/main">
-  <p:cSld>
-    <p:spTree>
-      <p:nvGrpSpPr>
-        <p:cNvPr id="1" name=""/>
-        <p:cNvGrpSpPr/>
-        <p:nvPr/>
-      </p:nvGrpSpPr>
-      <p:grpSpPr>
-        <a:xfrm>
-          <a:off x="0" y="0"/>
-          <a:ext cx="0" cy="0"/>
-          <a:chOff x="0" y="0"/>
-          <a:chExt cx="0" cy="0"/>
-        </a:xfrm>
-      </p:grpSpPr>
-      <p:sp>
-        <p:nvSpPr>
-          <p:cNvPr id="2" name="Title 1">
-            <a:extLst>
-              <a:ext uri="{FF2B5EF4-FFF2-40B4-BE49-F238E27FC236}">
-                <a16:creationId xmlns:a16="http://schemas.microsoft.com/office/drawing/2014/main" id="{C3DB7D1D-D316-4A37-ABF4-DF33D56B870E}"/>
-              </a:ext>
-            </a:extLst>
-          </p:cNvPr>
-          <p:cNvSpPr>
-            <a:spLocks noGrp="1"/>
-          </p:cNvSpPr>
-          <p:nvPr>
-            <p:ph type="title"/>
-          </p:nvPr>
-        </p:nvSpPr>
-        <p:spPr/>
-        <p:txBody>
-          <a:bodyPr/>
-          <a:lstStyle/>
-          <a:p>
-            <a:pPr algn="ctr"/>
-            <a:br>
-              <a:rPr lang="en-US" dirty="0"/>
-            </a:br>
-            <a:r>
-              <a:rPr lang="en-US" dirty="0"/>
-              <a:t>utils.py – reading user configuration</a:t>
-            </a:r>
-          </a:p>
-        </p:txBody>
-      </p:sp>
-      <mc:AlternateContent xmlns:mc="http://schemas.openxmlformats.org/markup-compatibility/2006">
-        <mc:Choice xmlns:a14="http://schemas.microsoft.com/office/drawing/2010/main" Requires="a14">
-          <p:sp>
-            <p:nvSpPr>
-              <p:cNvPr id="3" name="Content Placeholder 2">
-                <a:extLst>
-                  <a:ext uri="{FF2B5EF4-FFF2-40B4-BE49-F238E27FC236}">
-                    <a16:creationId xmlns:a16="http://schemas.microsoft.com/office/drawing/2014/main" id="{FF1D2EB4-9AAA-40CC-AC91-BD1E78AE77D0}"/>
-                  </a:ext>
-                </a:extLst>
-              </p:cNvPr>
-              <p:cNvSpPr>
-                <a:spLocks noGrp="1"/>
-              </p:cNvSpPr>
-              <p:nvPr>
-                <p:ph idx="1"/>
-              </p:nvPr>
-            </p:nvSpPr>
-            <p:spPr/>
-            <p:txBody>
-              <a:bodyPr/>
-              <a:lstStyle/>
-              <a:p>
-                <a:pPr marL="0" indent="0">
-                  <a:buNone/>
-                </a:pPr>
-                <a:r>
-                  <a:rPr lang="en-US" dirty="0"/>
-                  <a:t>We implemented a way for user to configure </a:t>
-                </a:r>
-                <a14:m>
-                  <m:oMath xmlns:m="http://schemas.openxmlformats.org/officeDocument/2006/math">
-                    <m:sSub>
-                      <m:sSubPr>
-                        <m:ctrlPr>
-                          <a:rPr lang="en-US" b="0" i="1" smtClean="0">
-                            <a:latin typeface="Cambria Math" panose="02040503050406030204" pitchFamily="18" charset="0"/>
-                          </a:rPr>
-                        </m:ctrlPr>
-                      </m:sSubPr>
-                      <m:e>
-                        <m:r>
-                          <a:rPr lang="en-US" b="0" i="1" smtClean="0">
-                            <a:latin typeface="Cambria Math" panose="02040503050406030204" pitchFamily="18" charset="0"/>
-                          </a:rPr>
-                          <m:t>𝑞</m:t>
-                        </m:r>
-                      </m:e>
-                      <m:sub>
-                        <m:r>
-                          <a:rPr lang="en-US" b="0" i="1" smtClean="0">
-                            <a:latin typeface="Cambria Math" panose="02040503050406030204" pitchFamily="18" charset="0"/>
-                          </a:rPr>
-                          <m:t>1</m:t>
-                        </m:r>
-                      </m:sub>
-                    </m:sSub>
-                    <m:r>
-                      <a:rPr lang="en-US" b="0" i="1" smtClean="0">
-                        <a:latin typeface="Cambria Math" panose="02040503050406030204" pitchFamily="18" charset="0"/>
-                      </a:rPr>
-                      <m:t>,</m:t>
-                    </m:r>
-                    <m:sSub>
-                      <m:sSubPr>
-                        <m:ctrlPr>
-                          <a:rPr lang="en-US" b="0" i="1" smtClean="0">
-                            <a:latin typeface="Cambria Math" panose="02040503050406030204" pitchFamily="18" charset="0"/>
-                          </a:rPr>
-                        </m:ctrlPr>
-                      </m:sSubPr>
-                      <m:e>
-                        <m:r>
-                          <a:rPr lang="en-US" b="0" i="1" smtClean="0">
-                            <a:latin typeface="Cambria Math" panose="02040503050406030204" pitchFamily="18" charset="0"/>
-                          </a:rPr>
-                          <m:t>𝑞</m:t>
-                        </m:r>
-                      </m:e>
-                      <m:sub>
-                        <m:r>
-                          <a:rPr lang="en-US" b="0" i="1" smtClean="0">
-                            <a:latin typeface="Cambria Math" panose="02040503050406030204" pitchFamily="18" charset="0"/>
-                          </a:rPr>
-                          <m:t>2</m:t>
-                        </m:r>
-                      </m:sub>
-                    </m:sSub>
-                  </m:oMath>
-                </a14:m>
-                <a:r>
-                  <a:rPr lang="en-US" dirty="0"/>
-                  <a:t> and invariants using INI files.</a:t>
-                </a:r>
-              </a:p>
-              <a:p>
-                <a:pPr marL="0" indent="0">
-                  <a:buNone/>
-                </a:pPr>
-                <a:r>
-                  <a:rPr lang="en-US" dirty="0"/>
-                  <a:t>In order to configure parameters for verification of function “foo” located at “benchmarks/c/</a:t>
-                </a:r>
-                <a:r>
-                  <a:rPr lang="en-US" dirty="0" err="1"/>
-                  <a:t>file.c</a:t>
-                </a:r>
-                <a:r>
-                  <a:rPr lang="en-US" dirty="0"/>
-                  <a:t>”, configuration should appear in “benchmarks/</a:t>
-                </a:r>
-                <a:r>
-                  <a:rPr lang="en-US" dirty="0" err="1"/>
-                  <a:t>config_files</a:t>
-                </a:r>
-                <a:r>
-                  <a:rPr lang="en-US" dirty="0"/>
-                  <a:t>/file.ini” under the section “[foo]”.</a:t>
-                </a:r>
-              </a:p>
-              <a:p>
-                <a:pPr marL="0" indent="0">
-                  <a:buNone/>
-                </a:pPr>
-                <a:endParaRPr lang="en-US" dirty="0"/>
-              </a:p>
-              <a:p>
-                <a:pPr marL="0" indent="0">
-                  <a:buNone/>
-                </a:pPr>
-                <a:r>
-                  <a:rPr lang="en-US" dirty="0"/>
-                  <a:t>In order to receive the expressions in the same way as the verified function expressions, we write a temporary C file with the configuration, and then parse it using “node”.</a:t>
-                </a:r>
-              </a:p>
-            </p:txBody>
-          </p:sp>
-        </mc:Choice>
-        <mc:Fallback>
-          <p:sp>
-            <p:nvSpPr>
-              <p:cNvPr id="3" name="Content Placeholder 2">
-                <a:extLst>
-                  <a:ext uri="{FF2B5EF4-FFF2-40B4-BE49-F238E27FC236}">
-                    <a16:creationId xmlns:a16="http://schemas.microsoft.com/office/drawing/2014/main" id="{FF1D2EB4-9AAA-40CC-AC91-BD1E78AE77D0}"/>
-                  </a:ext>
-                </a:extLst>
-              </p:cNvPr>
-              <p:cNvSpPr>
-                <a:spLocks noGrp="1" noRot="1" noChangeAspect="1" noMove="1" noResize="1" noEditPoints="1" noAdjustHandles="1" noChangeArrowheads="1" noChangeShapeType="1" noTextEdit="1"/>
-              </p:cNvSpPr>
-              <p:nvPr>
-                <p:ph idx="1"/>
-              </p:nvPr>
-            </p:nvSpPr>
-            <p:spPr>
-              <a:blipFill>
-                <a:blip r:embed="rId2"/>
-                <a:stretch>
-                  <a:fillRect l="-635" t="-177"/>
-                </a:stretch>
-              </a:blipFill>
-            </p:spPr>
-            <p:txBody>
-              <a:bodyPr/>
-              <a:lstStyle/>
-              <a:p>
-                <a:r>
-                  <a:rPr lang="en-US">
-                    <a:noFill/>
-                  </a:rPr>
-                  <a:t> </a:t>
-                </a:r>
-              </a:p>
-            </p:txBody>
-          </p:sp>
-        </mc:Fallback>
-      </mc:AlternateContent>
-    </p:spTree>
-    <p:extLst>
-      <p:ext uri="{BB962C8B-B14F-4D97-AF65-F5344CB8AC3E}">
-        <p14:creationId xmlns:p14="http://schemas.microsoft.com/office/powerpoint/2010/main" val="1335571554"/>
-      </p:ext>
-    </p:extLst>
-  </p:cSld>
-  <p:clrMapOvr>
-    <a:masterClrMapping/>
-  </p:clrMapOvr>
-</p:sld>
-</file>
-
-<file path=ppt/slides/slide50.xml><?xml version="1.0" encoding="utf-8"?>
+<file path=ppt/slides/slide51.xml><?xml version="1.0" encoding="utf-8"?>
 <p:sld xmlns:a="http://schemas.openxmlformats.org/drawingml/2006/main" xmlns:r="http://schemas.openxmlformats.org/officeDocument/2006/relationships" xmlns:p="http://schemas.openxmlformats.org/presentationml/2006/main">
   <p:cSld>
     <p:bg>
@@ -28309,7 +28459,7 @@
 </p:sld>
 </file>
 
-<file path=ppt/slides/slide51.xml><?xml version="1.0" encoding="utf-8"?>
+<file path=ppt/slides/slide52.xml><?xml version="1.0" encoding="utf-8"?>
 <p:sld xmlns:a="http://schemas.openxmlformats.org/drawingml/2006/main" xmlns:r="http://schemas.openxmlformats.org/officeDocument/2006/relationships" xmlns:p="http://schemas.openxmlformats.org/presentationml/2006/main">
   <p:cSld>
     <p:bg>
@@ -29186,7 +29336,7 @@
 </p:sld>
 </file>
 
-<file path=ppt/slides/slide52.xml><?xml version="1.0" encoding="utf-8"?>
+<file path=ppt/slides/slide53.xml><?xml version="1.0" encoding="utf-8"?>
 <p:sld xmlns:a="http://schemas.openxmlformats.org/drawingml/2006/main" xmlns:r="http://schemas.openxmlformats.org/officeDocument/2006/relationships" xmlns:p="http://schemas.openxmlformats.org/presentationml/2006/main">
   <p:cSld>
     <p:bg>
@@ -30063,7 +30213,7 @@
 </p:sld>
 </file>
 
-<file path=ppt/slides/slide53.xml><?xml version="1.0" encoding="utf-8"?>
+<file path=ppt/slides/slide54.xml><?xml version="1.0" encoding="utf-8"?>
 <p:sld xmlns:a="http://schemas.openxmlformats.org/drawingml/2006/main" xmlns:r="http://schemas.openxmlformats.org/officeDocument/2006/relationships" xmlns:p="http://schemas.openxmlformats.org/presentationml/2006/main">
   <p:cSld>
     <p:bg>
@@ -30832,8 +30982,8 @@
           </a:fontRef>
         </p:style>
       </p:cxnSp>
-      <mc:AlternateContent xmlns:mc="http://schemas.openxmlformats.org/markup-compatibility/2006">
-        <mc:Choice xmlns:a14="http://schemas.microsoft.com/office/drawing/2010/main" Requires="a14">
+      <mc:AlternateContent xmlns:mc="http://schemas.openxmlformats.org/markup-compatibility/2006" xmlns:a14="http://schemas.microsoft.com/office/drawing/2010/main">
+        <mc:Choice Requires="a14">
           <p:sp>
             <p:nvSpPr>
               <p:cNvPr id="4" name="Rectangle 3">
@@ -30861,6 +31011,7 @@
               </a:bodyPr>
               <a:lstStyle/>
               <a:p>
+                <a:pPr/>
                 <a14:m>
                   <m:oMathPara xmlns:m="http://schemas.openxmlformats.org/officeDocument/2006/math">
                     <m:oMathParaPr>
@@ -31285,7 +31436,7 @@
             </p:txBody>
           </p:sp>
         </mc:Choice>
-        <mc:Fallback>
+        <mc:Fallback xmlns="">
           <p:sp>
             <p:nvSpPr>
               <p:cNvPr id="4" name="Rectangle 3">
@@ -31343,7 +31494,7 @@
 </p:sld>
 </file>
 
-<file path=ppt/slides/slide54.xml><?xml version="1.0" encoding="utf-8"?>
+<file path=ppt/slides/slide55.xml><?xml version="1.0" encoding="utf-8"?>
 <p:sld xmlns:a="http://schemas.openxmlformats.org/drawingml/2006/main" xmlns:r="http://schemas.openxmlformats.org/officeDocument/2006/relationships" xmlns:p="http://schemas.openxmlformats.org/presentationml/2006/main">
   <p:cSld>
     <p:spTree>
@@ -31586,7 +31737,7 @@
 </p:sld>
 </file>
 
-<file path=ppt/slides/slide55.xml><?xml version="1.0" encoding="utf-8"?>
+<file path=ppt/slides/slide56.xml><?xml version="1.0" encoding="utf-8"?>
 <p:sld xmlns:a="http://schemas.openxmlformats.org/drawingml/2006/main" xmlns:r="http://schemas.openxmlformats.org/officeDocument/2006/relationships" xmlns:p="http://schemas.openxmlformats.org/presentationml/2006/main">
   <p:cSld>
     <p:bg>
@@ -32463,7 +32614,7 @@
 </p:sld>
 </file>
 
-<file path=ppt/slides/slide56.xml><?xml version="1.0" encoding="utf-8"?>
+<file path=ppt/slides/slide57.xml><?xml version="1.0" encoding="utf-8"?>
 <p:sld xmlns:a="http://schemas.openxmlformats.org/drawingml/2006/main" xmlns:r="http://schemas.openxmlformats.org/officeDocument/2006/relationships" xmlns:p="http://schemas.openxmlformats.org/presentationml/2006/main">
   <p:cSld>
     <p:bg>
@@ -33340,7 +33491,7 @@
 </p:sld>
 </file>
 
-<file path=ppt/slides/slide57.xml><?xml version="1.0" encoding="utf-8"?>
+<file path=ppt/slides/slide58.xml><?xml version="1.0" encoding="utf-8"?>
 <p:sld xmlns:a="http://schemas.openxmlformats.org/drawingml/2006/main" xmlns:r="http://schemas.openxmlformats.org/officeDocument/2006/relationships" xmlns:p="http://schemas.openxmlformats.org/presentationml/2006/main">
   <p:cSld>
     <p:bg>
@@ -34230,7 +34381,7 @@
 </p:sld>
 </file>
 
-<file path=ppt/slides/slide58.xml><?xml version="1.0" encoding="utf-8"?>
+<file path=ppt/slides/slide59.xml><?xml version="1.0" encoding="utf-8"?>
 <p:sld xmlns:a="http://schemas.openxmlformats.org/drawingml/2006/main" xmlns:r="http://schemas.openxmlformats.org/officeDocument/2006/relationships" xmlns:p="http://schemas.openxmlformats.org/presentationml/2006/main">
   <p:cSld>
     <p:bg>
@@ -35107,7 +35258,123 @@
 </p:sld>
 </file>
 
-<file path=ppt/slides/slide59.xml><?xml version="1.0" encoding="utf-8"?>
+<file path=ppt/slides/slide6.xml><?xml version="1.0" encoding="utf-8"?>
+<p:sld xmlns:a="http://schemas.openxmlformats.org/drawingml/2006/main" xmlns:r="http://schemas.openxmlformats.org/officeDocument/2006/relationships" xmlns:p="http://schemas.openxmlformats.org/presentationml/2006/main">
+  <p:cSld>
+    <p:spTree>
+      <p:nvGrpSpPr>
+        <p:cNvPr id="1" name=""/>
+        <p:cNvGrpSpPr/>
+        <p:nvPr/>
+      </p:nvGrpSpPr>
+      <p:grpSpPr>
+        <a:xfrm>
+          <a:off x="0" y="0"/>
+          <a:ext cx="0" cy="0"/>
+          <a:chOff x="0" y="0"/>
+          <a:chExt cx="0" cy="0"/>
+        </a:xfrm>
+      </p:grpSpPr>
+      <p:sp>
+        <p:nvSpPr>
+          <p:cNvPr id="2" name="Title 1">
+            <a:extLst>
+              <a:ext uri="{FF2B5EF4-FFF2-40B4-BE49-F238E27FC236}">
+                <a16:creationId xmlns:a16="http://schemas.microsoft.com/office/drawing/2014/main" id="{CE15B804-D5EF-4E98-B066-3B3B49F9C634}"/>
+              </a:ext>
+            </a:extLst>
+          </p:cNvPr>
+          <p:cNvSpPr>
+            <a:spLocks noGrp="1"/>
+          </p:cNvSpPr>
+          <p:nvPr>
+            <p:ph type="title"/>
+          </p:nvPr>
+        </p:nvSpPr>
+        <p:spPr/>
+        <p:txBody>
+          <a:bodyPr/>
+          <a:lstStyle/>
+          <a:p>
+            <a:pPr algn="ctr"/>
+            <a:br>
+              <a:rPr lang="en-US" dirty="0"/>
+            </a:br>
+            <a:r>
+              <a:rPr lang="en-US" dirty="0"/>
+              <a:t>utils.py – AST to z3</a:t>
+            </a:r>
+          </a:p>
+        </p:txBody>
+      </p:sp>
+      <p:sp>
+        <p:nvSpPr>
+          <p:cNvPr id="3" name="Content Placeholder 2">
+            <a:extLst>
+              <a:ext uri="{FF2B5EF4-FFF2-40B4-BE49-F238E27FC236}">
+                <a16:creationId xmlns:a16="http://schemas.microsoft.com/office/drawing/2014/main" id="{AABA1F95-98E7-47A4-859A-10DB78F42250}"/>
+              </a:ext>
+            </a:extLst>
+          </p:cNvPr>
+          <p:cNvSpPr>
+            <a:spLocks noGrp="1"/>
+          </p:cNvSpPr>
+          <p:nvPr>
+            <p:ph idx="1"/>
+          </p:nvPr>
+        </p:nvSpPr>
+        <p:spPr/>
+        <p:txBody>
+          <a:bodyPr/>
+          <a:lstStyle/>
+          <a:p>
+            <a:r>
+              <a:rPr lang="en-US" dirty="0"/>
+              <a:t>We have a set of functions that help us to convert an AST subtree representing an expression to the same expression in Z3</a:t>
+            </a:r>
+          </a:p>
+          <a:p>
+            <a:r>
+              <a:rPr lang="en-US" dirty="0"/>
+              <a:t>All these functions are named “convert_&lt;something&gt;_to_z3”</a:t>
+            </a:r>
+          </a:p>
+          <a:p>
+            <a:r>
+              <a:rPr lang="en-US" dirty="0"/>
+              <a:t>But it’s enough to use the “convert_expression_to_z3” function, which uses all the rest</a:t>
+            </a:r>
+          </a:p>
+          <a:p>
+            <a:r>
+              <a:rPr lang="en-US" dirty="0"/>
+              <a:t>This method can handle constants (also true and false), variables, arrays, some keywords (implies, </a:t>
+            </a:r>
+            <a:r>
+              <a:rPr lang="en-US" dirty="0" err="1"/>
+              <a:t>forall</a:t>
+            </a:r>
+            <a:r>
+              <a:rPr lang="en-US" dirty="0"/>
+              <a:t>, exists), expressions inside “( )”, unary and binary operators</a:t>
+            </a:r>
+          </a:p>
+        </p:txBody>
+      </p:sp>
+    </p:spTree>
+    <p:extLst>
+      <p:ext uri="{BB962C8B-B14F-4D97-AF65-F5344CB8AC3E}">
+        <p14:creationId xmlns:p14="http://schemas.microsoft.com/office/powerpoint/2010/main" val="952009656"/>
+      </p:ext>
+    </p:extLst>
+  </p:cSld>
+  <p:clrMapOvr>
+    <a:masterClrMapping/>
+  </p:clrMapOvr>
+</p:sld>
+</file>
+
+<file path=ppt/slides/slide60.xml><?xml version="1.0" encoding="utf-8"?>
 <p:sld xmlns:a="http://schemas.openxmlformats.org/drawingml/2006/main" xmlns:r="http://schemas.openxmlformats.org/officeDocument/2006/relationships" xmlns:p="http://schemas.openxmlformats.org/presentationml/2006/main">
   <p:cSld>
     <p:bg>
@@ -35876,8 +36143,8 @@
           </a:fontRef>
         </p:style>
       </p:cxnSp>
-      <mc:AlternateContent xmlns:mc="http://schemas.openxmlformats.org/markup-compatibility/2006">
-        <mc:Choice xmlns:a14="http://schemas.microsoft.com/office/drawing/2010/main" Requires="a14">
+      <mc:AlternateContent xmlns:mc="http://schemas.openxmlformats.org/markup-compatibility/2006" xmlns:a14="http://schemas.microsoft.com/office/drawing/2010/main">
+        <mc:Choice Requires="a14">
           <p:sp>
             <p:nvSpPr>
               <p:cNvPr id="4" name="Rectangle 3">
@@ -35905,6 +36172,7 @@
               </a:bodyPr>
               <a:lstStyle/>
               <a:p>
+                <a:pPr/>
                 <a14:m>
                   <m:oMathPara xmlns:m="http://schemas.openxmlformats.org/officeDocument/2006/math">
                     <m:oMathParaPr>
@@ -36517,7 +36785,7 @@
             </p:txBody>
           </p:sp>
         </mc:Choice>
-        <mc:Fallback>
+        <mc:Fallback xmlns="">
           <p:sp>
             <p:nvSpPr>
               <p:cNvPr id="4" name="Rectangle 3">
@@ -36575,123 +36843,7 @@
 </p:sld>
 </file>
 
-<file path=ppt/slides/slide6.xml><?xml version="1.0" encoding="utf-8"?>
-<p:sld xmlns:a="http://schemas.openxmlformats.org/drawingml/2006/main" xmlns:r="http://schemas.openxmlformats.org/officeDocument/2006/relationships" xmlns:p="http://schemas.openxmlformats.org/presentationml/2006/main">
-  <p:cSld>
-    <p:spTree>
-      <p:nvGrpSpPr>
-        <p:cNvPr id="1" name=""/>
-        <p:cNvGrpSpPr/>
-        <p:nvPr/>
-      </p:nvGrpSpPr>
-      <p:grpSpPr>
-        <a:xfrm>
-          <a:off x="0" y="0"/>
-          <a:ext cx="0" cy="0"/>
-          <a:chOff x="0" y="0"/>
-          <a:chExt cx="0" cy="0"/>
-        </a:xfrm>
-      </p:grpSpPr>
-      <p:sp>
-        <p:nvSpPr>
-          <p:cNvPr id="2" name="Title 1">
-            <a:extLst>
-              <a:ext uri="{FF2B5EF4-FFF2-40B4-BE49-F238E27FC236}">
-                <a16:creationId xmlns:a16="http://schemas.microsoft.com/office/drawing/2014/main" id="{CE15B804-D5EF-4E98-B066-3B3B49F9C634}"/>
-              </a:ext>
-            </a:extLst>
-          </p:cNvPr>
-          <p:cNvSpPr>
-            <a:spLocks noGrp="1"/>
-          </p:cNvSpPr>
-          <p:nvPr>
-            <p:ph type="title"/>
-          </p:nvPr>
-        </p:nvSpPr>
-        <p:spPr/>
-        <p:txBody>
-          <a:bodyPr/>
-          <a:lstStyle/>
-          <a:p>
-            <a:pPr algn="ctr"/>
-            <a:br>
-              <a:rPr lang="en-US" dirty="0"/>
-            </a:br>
-            <a:r>
-              <a:rPr lang="en-US" dirty="0"/>
-              <a:t>utils.py – AST to z3</a:t>
-            </a:r>
-          </a:p>
-        </p:txBody>
-      </p:sp>
-      <p:sp>
-        <p:nvSpPr>
-          <p:cNvPr id="3" name="Content Placeholder 2">
-            <a:extLst>
-              <a:ext uri="{FF2B5EF4-FFF2-40B4-BE49-F238E27FC236}">
-                <a16:creationId xmlns:a16="http://schemas.microsoft.com/office/drawing/2014/main" id="{AABA1F95-98E7-47A4-859A-10DB78F42250}"/>
-              </a:ext>
-            </a:extLst>
-          </p:cNvPr>
-          <p:cNvSpPr>
-            <a:spLocks noGrp="1"/>
-          </p:cNvSpPr>
-          <p:nvPr>
-            <p:ph idx="1"/>
-          </p:nvPr>
-        </p:nvSpPr>
-        <p:spPr/>
-        <p:txBody>
-          <a:bodyPr/>
-          <a:lstStyle/>
-          <a:p>
-            <a:r>
-              <a:rPr lang="en-US" dirty="0"/>
-              <a:t>We have a set of functions that help us to convert an AST subtree representing an expression to the same expression in Z3</a:t>
-            </a:r>
-          </a:p>
-          <a:p>
-            <a:r>
-              <a:rPr lang="en-US" dirty="0"/>
-              <a:t>All these functions are named “convert_&lt;something&gt;_to_z3”</a:t>
-            </a:r>
-          </a:p>
-          <a:p>
-            <a:r>
-              <a:rPr lang="en-US" dirty="0"/>
-              <a:t>But it’s enough to use the “convert_expression_to_z3” function, which uses all the rest</a:t>
-            </a:r>
-          </a:p>
-          <a:p>
-            <a:r>
-              <a:rPr lang="en-US" dirty="0"/>
-              <a:t>This method can handle constants (also true and false), variables, arrays, some keywords (implies, </a:t>
-            </a:r>
-            <a:r>
-              <a:rPr lang="en-US" dirty="0" err="1"/>
-              <a:t>forall</a:t>
-            </a:r>
-            <a:r>
-              <a:rPr lang="en-US" dirty="0"/>
-              <a:t>, exists), expressions inside “( )”, unary and binary operators</a:t>
-            </a:r>
-          </a:p>
-        </p:txBody>
-      </p:sp>
-    </p:spTree>
-    <p:extLst>
-      <p:ext uri="{BB962C8B-B14F-4D97-AF65-F5344CB8AC3E}">
-        <p14:creationId xmlns:p14="http://schemas.microsoft.com/office/powerpoint/2010/main" val="952009656"/>
-      </p:ext>
-    </p:extLst>
-  </p:cSld>
-  <p:clrMapOvr>
-    <a:masterClrMapping/>
-  </p:clrMapOvr>
-</p:sld>
-</file>
-
-<file path=ppt/slides/slide60.xml><?xml version="1.0" encoding="utf-8"?>
+<file path=ppt/slides/slide61.xml><?xml version="1.0" encoding="utf-8"?>
 <p:sld xmlns:a="http://schemas.openxmlformats.org/drawingml/2006/main" xmlns:r="http://schemas.openxmlformats.org/officeDocument/2006/relationships" xmlns:p="http://schemas.openxmlformats.org/presentationml/2006/main">
   <p:cSld>
     <p:bg>
@@ -37146,7 +37298,7 @@
 </p:sld>
 </file>
 
-<file path=ppt/slides/slide61.xml><?xml version="1.0" encoding="utf-8"?>
+<file path=ppt/slides/slide62.xml><?xml version="1.0" encoding="utf-8"?>
 <p:sld xmlns:a="http://schemas.openxmlformats.org/drawingml/2006/main" xmlns:r="http://schemas.openxmlformats.org/officeDocument/2006/relationships" xmlns:p="http://schemas.openxmlformats.org/presentationml/2006/main">
   <p:cSld>
     <p:spTree>
@@ -37196,8 +37348,8 @@
           </a:p>
         </p:txBody>
       </p:sp>
-      <mc:AlternateContent xmlns:mc="http://schemas.openxmlformats.org/markup-compatibility/2006">
-        <mc:Choice xmlns:a14="http://schemas.microsoft.com/office/drawing/2010/main" Requires="a14">
+      <mc:AlternateContent xmlns:mc="http://schemas.openxmlformats.org/markup-compatibility/2006" xmlns:a14="http://schemas.microsoft.com/office/drawing/2010/main">
+        <mc:Choice Requires="a14">
           <p:sp>
             <p:nvSpPr>
               <p:cNvPr id="3" name="Content Placeholder 2">
@@ -38343,7 +38495,7 @@
             </p:txBody>
           </p:sp>
         </mc:Choice>
-        <mc:Fallback>
+        <mc:Fallback xmlns="">
           <p:sp>
             <p:nvSpPr>
               <p:cNvPr id="3" name="Content Placeholder 2">
@@ -38400,7 +38552,7 @@
 </p:sld>
 </file>
 
-<file path=ppt/slides/slide62.xml><?xml version="1.0" encoding="utf-8"?>
+<file path=ppt/slides/slide63.xml><?xml version="1.0" encoding="utf-8"?>
 <p:sld xmlns:a="http://schemas.openxmlformats.org/drawingml/2006/main" xmlns:r="http://schemas.openxmlformats.org/officeDocument/2006/relationships" xmlns:p="http://schemas.openxmlformats.org/presentationml/2006/main">
   <p:cSld>
     <p:spTree>
@@ -38589,7 +38741,7 @@
 </p:sld>
 </file>
 
-<file path=ppt/slides/slide63.xml><?xml version="1.0" encoding="utf-8"?>
+<file path=ppt/slides/slide64.xml><?xml version="1.0" encoding="utf-8"?>
 <p:sld xmlns:a="http://schemas.openxmlformats.org/drawingml/2006/main" xmlns:r="http://schemas.openxmlformats.org/officeDocument/2006/relationships" xmlns:p="http://schemas.openxmlformats.org/presentationml/2006/main">
   <p:cSld>
     <p:spTree>
@@ -38639,8 +38791,8 @@
           </a:p>
         </p:txBody>
       </p:sp>
-      <mc:AlternateContent xmlns:mc="http://schemas.openxmlformats.org/markup-compatibility/2006">
-        <mc:Choice xmlns:a14="http://schemas.microsoft.com/office/drawing/2010/main" Requires="a14">
+      <mc:AlternateContent xmlns:mc="http://schemas.openxmlformats.org/markup-compatibility/2006" xmlns:a14="http://schemas.microsoft.com/office/drawing/2010/main">
+        <mc:Choice Requires="a14">
           <p:sp>
             <p:nvSpPr>
               <p:cNvPr id="3" name="Content Placeholder 2">
@@ -39005,7 +39157,7 @@
             </p:txBody>
           </p:sp>
         </mc:Choice>
-        <mc:Fallback>
+        <mc:Fallback xmlns="">
           <p:sp>
             <p:nvSpPr>
               <p:cNvPr id="3" name="Content Placeholder 2">
@@ -39062,7 +39214,7 @@
 </p:sld>
 </file>
 
-<file path=ppt/slides/slide64.xml><?xml version="1.0" encoding="utf-8"?>
+<file path=ppt/slides/slide65.xml><?xml version="1.0" encoding="utf-8"?>
 <p:sld xmlns:a="http://schemas.openxmlformats.org/drawingml/2006/main" xmlns:r="http://schemas.openxmlformats.org/officeDocument/2006/relationships" xmlns:p="http://schemas.openxmlformats.org/presentationml/2006/main">
   <p:cSld>
     <p:bg>
@@ -39938,7 +40090,7 @@
 </p:sld>
 </file>
 
-<file path=ppt/slides/slide65.xml><?xml version="1.0" encoding="utf-8"?>
+<file path=ppt/slides/slide66.xml><?xml version="1.0" encoding="utf-8"?>
 <p:sld xmlns:a="http://schemas.openxmlformats.org/drawingml/2006/main" xmlns:r="http://schemas.openxmlformats.org/officeDocument/2006/relationships" xmlns:p="http://schemas.openxmlformats.org/presentationml/2006/main">
   <p:cSld>
     <p:bg>
@@ -40815,7 +40967,7 @@
 </p:sld>
 </file>
 
-<file path=ppt/slides/slide66.xml><?xml version="1.0" encoding="utf-8"?>
+<file path=ppt/slides/slide67.xml><?xml version="1.0" encoding="utf-8"?>
 <p:sld xmlns:a="http://schemas.openxmlformats.org/drawingml/2006/main" xmlns:r="http://schemas.openxmlformats.org/officeDocument/2006/relationships" xmlns:p="http://schemas.openxmlformats.org/presentationml/2006/main">
   <p:cSld>
     <p:bg>
@@ -41691,7 +41843,7 @@
 </p:sld>
 </file>
 
-<file path=ppt/slides/slide67.xml><?xml version="1.0" encoding="utf-8"?>
+<file path=ppt/slides/slide68.xml><?xml version="1.0" encoding="utf-8"?>
 <p:sld xmlns:a="http://schemas.openxmlformats.org/drawingml/2006/main" xmlns:r="http://schemas.openxmlformats.org/officeDocument/2006/relationships" xmlns:p="http://schemas.openxmlformats.org/presentationml/2006/main">
   <p:cSld>
     <p:bg>
@@ -42568,7 +42720,7 @@
 </p:sld>
 </file>
 
-<file path=ppt/slides/slide68.xml><?xml version="1.0" encoding="utf-8"?>
+<file path=ppt/slides/slide69.xml><?xml version="1.0" encoding="utf-8"?>
 <p:sld xmlns:a="http://schemas.openxmlformats.org/drawingml/2006/main" xmlns:r="http://schemas.openxmlformats.org/officeDocument/2006/relationships" xmlns:p="http://schemas.openxmlformats.org/presentationml/2006/main">
   <p:cSld>
     <p:bg>
@@ -43337,8 +43489,8 @@
           </a:fontRef>
         </p:style>
       </p:cxnSp>
-      <mc:AlternateContent xmlns:mc="http://schemas.openxmlformats.org/markup-compatibility/2006">
-        <mc:Choice xmlns:a14="http://schemas.microsoft.com/office/drawing/2010/main" Requires="a14">
+      <mc:AlternateContent xmlns:mc="http://schemas.openxmlformats.org/markup-compatibility/2006" xmlns:a14="http://schemas.microsoft.com/office/drawing/2010/main">
+        <mc:Choice Requires="a14">
           <p:sp>
             <p:nvSpPr>
               <p:cNvPr id="4" name="Rectangle 3">
@@ -43366,6 +43518,7 @@
               </a:bodyPr>
               <a:lstStyle/>
               <a:p>
+                <a:pPr/>
                 <a14:m>
                   <m:oMathPara xmlns:m="http://schemas.openxmlformats.org/officeDocument/2006/math">
                     <m:oMathParaPr>
@@ -43741,7 +43894,7 @@
                       <m:d>
                         <m:dPr>
                           <m:ctrlPr>
-                            <a:rPr lang="en-US" b="0" i="0" smtClean="0">
+                            <a:rPr lang="en-US" b="0" i="1" smtClean="0">
                               <a:latin typeface="Cambria Math" panose="02040503050406030204" pitchFamily="18" charset="0"/>
                             </a:rPr>
                           </m:ctrlPr>
@@ -43895,7 +44048,7 @@
             </p:txBody>
           </p:sp>
         </mc:Choice>
-        <mc:Fallback>
+        <mc:Fallback xmlns="">
           <p:sp>
             <p:nvSpPr>
               <p:cNvPr id="4" name="Rectangle 3">
@@ -43953,7 +44106,131 @@
 </p:sld>
 </file>
 
-<file path=ppt/slides/slide69.xml><?xml version="1.0" encoding="utf-8"?>
+<file path=ppt/slides/slide7.xml><?xml version="1.0" encoding="utf-8"?>
+<p:sld xmlns:a="http://schemas.openxmlformats.org/drawingml/2006/main" xmlns:r="http://schemas.openxmlformats.org/officeDocument/2006/relationships" xmlns:p="http://schemas.openxmlformats.org/presentationml/2006/main">
+  <p:cSld>
+    <p:spTree>
+      <p:nvGrpSpPr>
+        <p:cNvPr id="1" name=""/>
+        <p:cNvGrpSpPr/>
+        <p:nvPr/>
+      </p:nvGrpSpPr>
+      <p:grpSpPr>
+        <a:xfrm>
+          <a:off x="0" y="0"/>
+          <a:ext cx="0" cy="0"/>
+          <a:chOff x="0" y="0"/>
+          <a:chExt cx="0" cy="0"/>
+        </a:xfrm>
+      </p:grpSpPr>
+      <p:sp>
+        <p:nvSpPr>
+          <p:cNvPr id="2" name="Title 1">
+            <a:extLst>
+              <a:ext uri="{FF2B5EF4-FFF2-40B4-BE49-F238E27FC236}">
+                <a16:creationId xmlns:a16="http://schemas.microsoft.com/office/drawing/2014/main" id="{1BDF874A-71DE-401E-957B-7A537423650F}"/>
+              </a:ext>
+            </a:extLst>
+          </p:cNvPr>
+          <p:cNvSpPr>
+            <a:spLocks noGrp="1"/>
+          </p:cNvSpPr>
+          <p:nvPr>
+            <p:ph type="title"/>
+          </p:nvPr>
+        </p:nvSpPr>
+        <p:spPr/>
+        <p:txBody>
+          <a:bodyPr/>
+          <a:lstStyle/>
+          <a:p>
+            <a:pPr algn="ctr"/>
+            <a:br>
+              <a:rPr lang="en-US" dirty="0"/>
+            </a:br>
+            <a:r>
+              <a:rPr lang="en-US" dirty="0"/>
+              <a:t>utils.py – CFG visualization</a:t>
+            </a:r>
+          </a:p>
+        </p:txBody>
+      </p:sp>
+      <p:sp>
+        <p:nvSpPr>
+          <p:cNvPr id="3" name="Content Placeholder 2">
+            <a:extLst>
+              <a:ext uri="{FF2B5EF4-FFF2-40B4-BE49-F238E27FC236}">
+                <a16:creationId xmlns:a16="http://schemas.microsoft.com/office/drawing/2014/main" id="{8B4EAB96-534A-4871-9F16-7EDB2887DC8B}"/>
+              </a:ext>
+            </a:extLst>
+          </p:cNvPr>
+          <p:cNvSpPr>
+            <a:spLocks noGrp="1"/>
+          </p:cNvSpPr>
+          <p:nvPr>
+            <p:ph idx="1"/>
+          </p:nvPr>
+        </p:nvSpPr>
+        <p:spPr/>
+        <p:txBody>
+          <a:bodyPr/>
+          <a:lstStyle/>
+          <a:p>
+            <a:r>
+              <a:rPr lang="en-US" dirty="0"/>
+              <a:t>When the CFG is ready, and all its paths were calculated, the function “</a:t>
+            </a:r>
+            <a:r>
+              <a:rPr lang="en-US" dirty="0" err="1"/>
+              <a:t>draw_cfg</a:t>
+            </a:r>
+            <a:r>
+              <a:rPr lang="en-US" dirty="0"/>
+              <a:t>” can be used in order to create the visualized CFG</a:t>
+            </a:r>
+          </a:p>
+          <a:p>
+            <a:r>
+              <a:rPr lang="en-US" dirty="0"/>
+              <a:t>We are using the “</a:t>
+            </a:r>
+            <a:r>
+              <a:rPr lang="en-US" dirty="0" err="1"/>
+              <a:t>graphviz</a:t>
+            </a:r>
+            <a:r>
+              <a:rPr lang="en-US" dirty="0"/>
+              <a:t>” module for this purpose</a:t>
+            </a:r>
+          </a:p>
+          <a:p>
+            <a:r>
+              <a:rPr lang="en-US" dirty="0"/>
+              <a:t>Edges of each path appear in different colors (up to 10 colors for now)</a:t>
+            </a:r>
+          </a:p>
+          <a:p>
+            <a:r>
+              <a:rPr lang="en-US" dirty="0"/>
+              <a:t>Some edges can be duplicated if appear in more than one path</a:t>
+            </a:r>
+          </a:p>
+        </p:txBody>
+      </p:sp>
+    </p:spTree>
+    <p:extLst>
+      <p:ext uri="{BB962C8B-B14F-4D97-AF65-F5344CB8AC3E}">
+        <p14:creationId xmlns:p14="http://schemas.microsoft.com/office/powerpoint/2010/main" val="15830562"/>
+      </p:ext>
+    </p:extLst>
+  </p:cSld>
+  <p:clrMapOvr>
+    <a:masterClrMapping/>
+  </p:clrMapOvr>
+</p:sld>
+</file>
+
+<file path=ppt/slides/slide70.xml><?xml version="1.0" encoding="utf-8"?>
 <p:sld xmlns:a="http://schemas.openxmlformats.org/drawingml/2006/main" xmlns:r="http://schemas.openxmlformats.org/officeDocument/2006/relationships" xmlns:p="http://schemas.openxmlformats.org/presentationml/2006/main">
   <p:cSld>
     <p:bg>
@@ -44830,131 +45107,7 @@
 </p:sld>
 </file>
 
-<file path=ppt/slides/slide7.xml><?xml version="1.0" encoding="utf-8"?>
-<p:sld xmlns:a="http://schemas.openxmlformats.org/drawingml/2006/main" xmlns:r="http://schemas.openxmlformats.org/officeDocument/2006/relationships" xmlns:p="http://schemas.openxmlformats.org/presentationml/2006/main">
-  <p:cSld>
-    <p:spTree>
-      <p:nvGrpSpPr>
-        <p:cNvPr id="1" name=""/>
-        <p:cNvGrpSpPr/>
-        <p:nvPr/>
-      </p:nvGrpSpPr>
-      <p:grpSpPr>
-        <a:xfrm>
-          <a:off x="0" y="0"/>
-          <a:ext cx="0" cy="0"/>
-          <a:chOff x="0" y="0"/>
-          <a:chExt cx="0" cy="0"/>
-        </a:xfrm>
-      </p:grpSpPr>
-      <p:sp>
-        <p:nvSpPr>
-          <p:cNvPr id="2" name="Title 1">
-            <a:extLst>
-              <a:ext uri="{FF2B5EF4-FFF2-40B4-BE49-F238E27FC236}">
-                <a16:creationId xmlns:a16="http://schemas.microsoft.com/office/drawing/2014/main" id="{1BDF874A-71DE-401E-957B-7A537423650F}"/>
-              </a:ext>
-            </a:extLst>
-          </p:cNvPr>
-          <p:cNvSpPr>
-            <a:spLocks noGrp="1"/>
-          </p:cNvSpPr>
-          <p:nvPr>
-            <p:ph type="title"/>
-          </p:nvPr>
-        </p:nvSpPr>
-        <p:spPr/>
-        <p:txBody>
-          <a:bodyPr/>
-          <a:lstStyle/>
-          <a:p>
-            <a:pPr algn="ctr"/>
-            <a:br>
-              <a:rPr lang="en-US" dirty="0"/>
-            </a:br>
-            <a:r>
-              <a:rPr lang="en-US" dirty="0"/>
-              <a:t>utils.py – CFG visualization</a:t>
-            </a:r>
-          </a:p>
-        </p:txBody>
-      </p:sp>
-      <p:sp>
-        <p:nvSpPr>
-          <p:cNvPr id="3" name="Content Placeholder 2">
-            <a:extLst>
-              <a:ext uri="{FF2B5EF4-FFF2-40B4-BE49-F238E27FC236}">
-                <a16:creationId xmlns:a16="http://schemas.microsoft.com/office/drawing/2014/main" id="{8B4EAB96-534A-4871-9F16-7EDB2887DC8B}"/>
-              </a:ext>
-            </a:extLst>
-          </p:cNvPr>
-          <p:cNvSpPr>
-            <a:spLocks noGrp="1"/>
-          </p:cNvSpPr>
-          <p:nvPr>
-            <p:ph idx="1"/>
-          </p:nvPr>
-        </p:nvSpPr>
-        <p:spPr/>
-        <p:txBody>
-          <a:bodyPr/>
-          <a:lstStyle/>
-          <a:p>
-            <a:r>
-              <a:rPr lang="en-US" dirty="0"/>
-              <a:t>When the CFG is ready, and all its paths were calculated, the function “</a:t>
-            </a:r>
-            <a:r>
-              <a:rPr lang="en-US" dirty="0" err="1"/>
-              <a:t>draw_cfg</a:t>
-            </a:r>
-            <a:r>
-              <a:rPr lang="en-US" dirty="0"/>
-              <a:t>” can be used in order to create the visualized CFG</a:t>
-            </a:r>
-          </a:p>
-          <a:p>
-            <a:r>
-              <a:rPr lang="en-US" dirty="0"/>
-              <a:t>We are using the “</a:t>
-            </a:r>
-            <a:r>
-              <a:rPr lang="en-US" dirty="0" err="1"/>
-              <a:t>graphviz</a:t>
-            </a:r>
-            <a:r>
-              <a:rPr lang="en-US" dirty="0"/>
-              <a:t>” module for this purpose</a:t>
-            </a:r>
-          </a:p>
-          <a:p>
-            <a:r>
-              <a:rPr lang="en-US" dirty="0"/>
-              <a:t>Edges of each path appear in different colors (up to 10 colors for now)</a:t>
-            </a:r>
-          </a:p>
-          <a:p>
-            <a:r>
-              <a:rPr lang="en-US" dirty="0"/>
-              <a:t>Some edges can be duplicated if appear in more than one path</a:t>
-            </a:r>
-          </a:p>
-        </p:txBody>
-      </p:sp>
-    </p:spTree>
-    <p:extLst>
-      <p:ext uri="{BB962C8B-B14F-4D97-AF65-F5344CB8AC3E}">
-        <p14:creationId xmlns:p14="http://schemas.microsoft.com/office/powerpoint/2010/main" val="15830562"/>
-      </p:ext>
-    </p:extLst>
-  </p:cSld>
-  <p:clrMapOvr>
-    <a:masterClrMapping/>
-  </p:clrMapOvr>
-</p:sld>
-</file>
-
-<file path=ppt/slides/slide70.xml><?xml version="1.0" encoding="utf-8"?>
+<file path=ppt/slides/slide71.xml><?xml version="1.0" encoding="utf-8"?>
 <p:sld xmlns:a="http://schemas.openxmlformats.org/drawingml/2006/main" xmlns:r="http://schemas.openxmlformats.org/officeDocument/2006/relationships" xmlns:p="http://schemas.openxmlformats.org/presentationml/2006/main">
   <p:cSld>
     <p:bg>
@@ -45831,7 +45984,7 @@
 </p:sld>
 </file>
 
-<file path=ppt/slides/slide71.xml><?xml version="1.0" encoding="utf-8"?>
+<file path=ppt/slides/slide72.xml><?xml version="1.0" encoding="utf-8"?>
 <p:sld xmlns:a="http://schemas.openxmlformats.org/drawingml/2006/main" xmlns:r="http://schemas.openxmlformats.org/officeDocument/2006/relationships" xmlns:p="http://schemas.openxmlformats.org/presentationml/2006/main">
   <p:cSld>
     <p:bg>
@@ -46707,7 +46860,7 @@
 </p:sld>
 </file>
 
-<file path=ppt/slides/slide72.xml><?xml version="1.0" encoding="utf-8"?>
+<file path=ppt/slides/slide73.xml><?xml version="1.0" encoding="utf-8"?>
 <p:sld xmlns:a="http://schemas.openxmlformats.org/drawingml/2006/main" xmlns:r="http://schemas.openxmlformats.org/officeDocument/2006/relationships" xmlns:p="http://schemas.openxmlformats.org/presentationml/2006/main">
   <p:cSld>
     <p:bg>
@@ -47584,7 +47737,7 @@
 </p:sld>
 </file>
 
-<file path=ppt/slides/slide73.xml><?xml version="1.0" encoding="utf-8"?>
+<file path=ppt/slides/slide74.xml><?xml version="1.0" encoding="utf-8"?>
 <p:sld xmlns:a="http://schemas.openxmlformats.org/drawingml/2006/main" xmlns:r="http://schemas.openxmlformats.org/officeDocument/2006/relationships" xmlns:p="http://schemas.openxmlformats.org/presentationml/2006/main">
   <p:cSld>
     <p:bg>
@@ -48353,8 +48506,8 @@
           </a:fontRef>
         </p:style>
       </p:cxnSp>
-      <mc:AlternateContent xmlns:mc="http://schemas.openxmlformats.org/markup-compatibility/2006">
-        <mc:Choice xmlns:a14="http://schemas.microsoft.com/office/drawing/2010/main" Requires="a14">
+      <mc:AlternateContent xmlns:mc="http://schemas.openxmlformats.org/markup-compatibility/2006" xmlns:a14="http://schemas.microsoft.com/office/drawing/2010/main">
+        <mc:Choice Requires="a14">
           <p:sp>
             <p:nvSpPr>
               <p:cNvPr id="4" name="Rectangle 3">
@@ -48382,6 +48535,7 @@
               </a:bodyPr>
               <a:lstStyle/>
               <a:p>
+                <a:pPr/>
                 <a14:m>
                   <m:oMathPara xmlns:m="http://schemas.openxmlformats.org/officeDocument/2006/math">
                     <m:oMathParaPr>
@@ -49010,7 +49164,7 @@
             </p:txBody>
           </p:sp>
         </mc:Choice>
-        <mc:Fallback>
+        <mc:Fallback xmlns="">
           <p:sp>
             <p:nvSpPr>
               <p:cNvPr id="4" name="Rectangle 3">
@@ -49068,7 +49222,7 @@
 </p:sld>
 </file>
 
-<file path=ppt/slides/slide74.xml><?xml version="1.0" encoding="utf-8"?>
+<file path=ppt/slides/slide75.xml><?xml version="1.0" encoding="utf-8"?>
 <p:sld xmlns:a="http://schemas.openxmlformats.org/drawingml/2006/main" xmlns:r="http://schemas.openxmlformats.org/officeDocument/2006/relationships" xmlns:p="http://schemas.openxmlformats.org/presentationml/2006/main">
   <p:cSld>
     <p:spTree>
@@ -49243,7 +49397,7 @@
 </p:sld>
 </file>
 
-<file path=ppt/slides/slide75.xml><?xml version="1.0" encoding="utf-8"?>
+<file path=ppt/slides/slide76.xml><?xml version="1.0" encoding="utf-8"?>
 <p:sld xmlns:a="http://schemas.openxmlformats.org/drawingml/2006/main" xmlns:r="http://schemas.openxmlformats.org/officeDocument/2006/relationships" xmlns:p="http://schemas.openxmlformats.org/presentationml/2006/main">
   <p:cSld>
     <p:bg>
@@ -49684,262 +49838,6 @@
     <p:extLst>
       <p:ext uri="{BB962C8B-B14F-4D97-AF65-F5344CB8AC3E}">
         <p14:creationId xmlns:p14="http://schemas.microsoft.com/office/powerpoint/2010/main" val="3816763966"/>
-      </p:ext>
-    </p:extLst>
-  </p:cSld>
-  <p:clrMapOvr>
-    <a:masterClrMapping/>
-  </p:clrMapOvr>
-</p:sld>
-</file>
-
-<file path=ppt/slides/slide76.xml><?xml version="1.0" encoding="utf-8"?>
-<p:sld xmlns:a="http://schemas.openxmlformats.org/drawingml/2006/main" xmlns:r="http://schemas.openxmlformats.org/officeDocument/2006/relationships" xmlns:p="http://schemas.openxmlformats.org/presentationml/2006/main">
-  <p:cSld>
-    <p:bg>
-      <p:bgPr>
-        <a:gradFill rotWithShape="1">
-          <a:gsLst>
-            <a:gs pos="0">
-              <a:schemeClr val="bg2">
-                <a:tint val="94000"/>
-                <a:satMod val="80000"/>
-                <a:lumMod val="106000"/>
-              </a:schemeClr>
-            </a:gs>
-            <a:gs pos="100000">
-              <a:schemeClr val="bg2">
-                <a:shade val="80000"/>
-              </a:schemeClr>
-            </a:gs>
-          </a:gsLst>
-          <a:path path="circle">
-            <a:fillToRect l="43000" r="43000" b="100000"/>
-          </a:path>
-        </a:gradFill>
-        <a:effectLst/>
-      </p:bgPr>
-    </p:bg>
-    <p:spTree>
-      <p:nvGrpSpPr>
-        <p:cNvPr id="1" name=""/>
-        <p:cNvGrpSpPr/>
-        <p:nvPr/>
-      </p:nvGrpSpPr>
-      <p:grpSpPr>
-        <a:xfrm>
-          <a:off x="0" y="0"/>
-          <a:ext cx="0" cy="0"/>
-          <a:chOff x="0" y="0"/>
-          <a:chExt cx="0" cy="0"/>
-        </a:xfrm>
-      </p:grpSpPr>
-      <p:sp>
-        <p:nvSpPr>
-          <p:cNvPr id="2" name="Title 1">
-            <a:extLst>
-              <a:ext uri="{FF2B5EF4-FFF2-40B4-BE49-F238E27FC236}">
-                <a16:creationId xmlns:a16="http://schemas.microsoft.com/office/drawing/2014/main" id="{D92BE09E-6E18-41D2-94D8-F7F4ED447755}"/>
-              </a:ext>
-            </a:extLst>
-          </p:cNvPr>
-          <p:cNvSpPr>
-            <a:spLocks noGrp="1"/>
-          </p:cNvSpPr>
-          <p:nvPr>
-            <p:ph type="title"/>
-          </p:nvPr>
-        </p:nvSpPr>
-        <p:spPr>
-          <a:xfrm>
-            <a:off x="1451579" y="804519"/>
-            <a:ext cx="9603275" cy="1049235"/>
-          </a:xfrm>
-        </p:spPr>
-        <p:txBody>
-          <a:bodyPr>
-            <a:normAutofit/>
-          </a:bodyPr>
-          <a:lstStyle/>
-          <a:p>
-            <a:br>
-              <a:rPr lang="en-US"/>
-            </a:br>
-            <a:r>
-              <a:rPr lang="en-US"/>
-              <a:t>bad_mul</a:t>
-            </a:r>
-          </a:p>
-        </p:txBody>
-      </p:sp>
-      <mc:AlternateContent xmlns:mc="http://schemas.openxmlformats.org/markup-compatibility/2006">
-        <mc:Choice xmlns:a14="http://schemas.microsoft.com/office/drawing/2010/main" Requires="a14">
-          <p:sp>
-            <p:nvSpPr>
-              <p:cNvPr id="3" name="Content Placeholder 2">
-                <a:extLst>
-                  <a:ext uri="{FF2B5EF4-FFF2-40B4-BE49-F238E27FC236}">
-                    <a16:creationId xmlns:a16="http://schemas.microsoft.com/office/drawing/2014/main" id="{5016E0E9-DA0A-40FB-8470-F9ACBD53F67B}"/>
-                  </a:ext>
-                </a:extLst>
-              </p:cNvPr>
-              <p:cNvSpPr>
-                <a:spLocks noGrp="1"/>
-              </p:cNvSpPr>
-              <p:nvPr>
-                <p:ph idx="1"/>
-              </p:nvPr>
-            </p:nvSpPr>
-            <p:spPr>
-              <a:xfrm>
-                <a:off x="1451579" y="2015734"/>
-                <a:ext cx="5622284" cy="3450613"/>
-              </a:xfrm>
-            </p:spPr>
-            <p:txBody>
-              <a:bodyPr>
-                <a:normAutofit/>
-              </a:bodyPr>
-              <a:lstStyle/>
-              <a:p>
-                <a:r>
-                  <a:rPr lang="en-US" dirty="0"/>
-                  <a:t>Here, the error is one more iteration of the loop – </a:t>
-                </a:r>
-                <a14:m>
-                  <m:oMath xmlns:m="http://schemas.openxmlformats.org/officeDocument/2006/math">
-                    <m:r>
-                      <a:rPr lang="en-US" b="0" i="1" smtClean="0">
-                        <a:latin typeface="Cambria Math" panose="02040503050406030204" pitchFamily="18" charset="0"/>
-                      </a:rPr>
-                      <m:t>𝑖</m:t>
-                    </m:r>
-                    <m:r>
-                      <a:rPr lang="en-US" b="0" i="1" smtClean="0">
-                        <a:latin typeface="Cambria Math" panose="02040503050406030204" pitchFamily="18" charset="0"/>
-                      </a:rPr>
-                      <m:t>&gt;0</m:t>
-                    </m:r>
-                  </m:oMath>
-                </a14:m>
-                <a:r>
-                  <a:rPr lang="en-US" dirty="0"/>
-                  <a:t> changed to </a:t>
-                </a:r>
-                <a14:m>
-                  <m:oMath xmlns:m="http://schemas.openxmlformats.org/officeDocument/2006/math">
-                    <m:r>
-                      <a:rPr lang="en-US" b="0" i="1" smtClean="0">
-                        <a:latin typeface="Cambria Math" panose="02040503050406030204" pitchFamily="18" charset="0"/>
-                      </a:rPr>
-                      <m:t>𝑖</m:t>
-                    </m:r>
-                    <m:r>
-                      <a:rPr lang="en-US" b="0" i="1" smtClean="0">
-                        <a:latin typeface="Cambria Math" panose="02040503050406030204" pitchFamily="18" charset="0"/>
-                      </a:rPr>
-                      <m:t>≥0</m:t>
-                    </m:r>
-                  </m:oMath>
-                </a14:m>
-                <a:r>
-                  <a:rPr lang="en-US" dirty="0"/>
-                  <a:t> in the loop condition</a:t>
-                </a:r>
-              </a:p>
-              <a:p>
-                <a:r>
-                  <a:rPr lang="en-US" dirty="0"/>
-                  <a:t>FP verifier returned an invariants stack</a:t>
-                </a:r>
-              </a:p>
-              <a:p>
-                <a:pPr marL="0" indent="0">
-                  <a:buNone/>
-                </a:pPr>
-                <a:endParaRPr lang="en-US" dirty="0"/>
-              </a:p>
-            </p:txBody>
-          </p:sp>
-        </mc:Choice>
-        <mc:Fallback>
-          <p:sp>
-            <p:nvSpPr>
-              <p:cNvPr id="3" name="Content Placeholder 2">
-                <a:extLst>
-                  <a:ext uri="{FF2B5EF4-FFF2-40B4-BE49-F238E27FC236}">
-                    <a16:creationId xmlns:a16="http://schemas.microsoft.com/office/drawing/2014/main" id="{5016E0E9-DA0A-40FB-8470-F9ACBD53F67B}"/>
-                  </a:ext>
-                </a:extLst>
-              </p:cNvPr>
-              <p:cNvSpPr>
-                <a:spLocks noGrp="1" noRot="1" noChangeAspect="1" noMove="1" noResize="1" noEditPoints="1" noAdjustHandles="1" noChangeArrowheads="1" noChangeShapeType="1" noTextEdit="1"/>
-              </p:cNvSpPr>
-              <p:nvPr>
-                <p:ph idx="1"/>
-              </p:nvPr>
-            </p:nvSpPr>
-            <p:spPr>
-              <a:xfrm>
-                <a:off x="1451579" y="2015734"/>
-                <a:ext cx="5622284" cy="3450613"/>
-              </a:xfrm>
-              <a:blipFill>
-                <a:blip r:embed="rId2"/>
-                <a:stretch>
-                  <a:fillRect l="-976" t="-177"/>
-                </a:stretch>
-              </a:blipFill>
-            </p:spPr>
-            <p:txBody>
-              <a:bodyPr/>
-              <a:lstStyle/>
-              <a:p>
-                <a:r>
-                  <a:rPr lang="en-US">
-                    <a:noFill/>
-                  </a:rPr>
-                  <a:t> </a:t>
-                </a:r>
-              </a:p>
-            </p:txBody>
-          </p:sp>
-        </mc:Fallback>
-      </mc:AlternateContent>
-      <p:pic>
-        <p:nvPicPr>
-          <p:cNvPr id="4" name="Picture 3">
-            <a:extLst>
-              <a:ext uri="{FF2B5EF4-FFF2-40B4-BE49-F238E27FC236}">
-                <a16:creationId xmlns:a16="http://schemas.microsoft.com/office/drawing/2014/main" id="{1C250AD2-9D17-457B-838D-7C9821260BF0}"/>
-              </a:ext>
-            </a:extLst>
-          </p:cNvPr>
-          <p:cNvPicPr>
-            <a:picLocks noChangeAspect="1"/>
-          </p:cNvPicPr>
-          <p:nvPr/>
-        </p:nvPicPr>
-        <p:blipFill>
-          <a:blip r:embed="rId3"/>
-          <a:stretch>
-            <a:fillRect/>
-          </a:stretch>
-        </p:blipFill>
-        <p:spPr>
-          <a:xfrm>
-            <a:off x="5576292" y="3483086"/>
-            <a:ext cx="5478562" cy="1521161"/>
-          </a:xfrm>
-          <a:prstGeom prst="rect">
-            <a:avLst/>
-          </a:prstGeom>
-        </p:spPr>
-      </p:pic>
-    </p:spTree>
-    <p:extLst>
-      <p:ext uri="{BB962C8B-B14F-4D97-AF65-F5344CB8AC3E}">
-        <p14:creationId xmlns:p14="http://schemas.microsoft.com/office/powerpoint/2010/main" val="3340982750"/>
       </p:ext>
     </p:extLst>
   </p:cSld>
@@ -49992,10 +49890,278 @@
       </p:grpSpPr>
       <p:sp>
         <p:nvSpPr>
-          <p:cNvPr id="9" name="Rectangle 8">
-            <a:extLst>
-              <a:ext uri="{FF2B5EF4-FFF2-40B4-BE49-F238E27FC236}">
-                <a16:creationId xmlns:a16="http://schemas.microsoft.com/office/drawing/2014/main" id="{0CABCAE3-64FC-4149-819F-2C1812824154}"/>
+          <p:cNvPr id="2" name="Title 1">
+            <a:extLst>
+              <a:ext uri="{FF2B5EF4-FFF2-40B4-BE49-F238E27FC236}">
+                <a16:creationId xmlns:a16="http://schemas.microsoft.com/office/drawing/2014/main" id="{D92BE09E-6E18-41D2-94D8-F7F4ED447755}"/>
+              </a:ext>
+            </a:extLst>
+          </p:cNvPr>
+          <p:cNvSpPr>
+            <a:spLocks noGrp="1"/>
+          </p:cNvSpPr>
+          <p:nvPr>
+            <p:ph type="title"/>
+          </p:nvPr>
+        </p:nvSpPr>
+        <p:spPr>
+          <a:xfrm>
+            <a:off x="1451579" y="804519"/>
+            <a:ext cx="9603275" cy="1049235"/>
+          </a:xfrm>
+        </p:spPr>
+        <p:txBody>
+          <a:bodyPr>
+            <a:normAutofit/>
+          </a:bodyPr>
+          <a:lstStyle/>
+          <a:p>
+            <a:br>
+              <a:rPr lang="en-US"/>
+            </a:br>
+            <a:r>
+              <a:rPr lang="en-US"/>
+              <a:t>bad_mul</a:t>
+            </a:r>
+          </a:p>
+        </p:txBody>
+      </p:sp>
+      <mc:AlternateContent xmlns:mc="http://schemas.openxmlformats.org/markup-compatibility/2006" xmlns:a14="http://schemas.microsoft.com/office/drawing/2010/main">
+        <mc:Choice Requires="a14">
+          <p:sp>
+            <p:nvSpPr>
+              <p:cNvPr id="3" name="Content Placeholder 2">
+                <a:extLst>
+                  <a:ext uri="{FF2B5EF4-FFF2-40B4-BE49-F238E27FC236}">
+                    <a16:creationId xmlns:a16="http://schemas.microsoft.com/office/drawing/2014/main" id="{5016E0E9-DA0A-40FB-8470-F9ACBD53F67B}"/>
+                  </a:ext>
+                </a:extLst>
+              </p:cNvPr>
+              <p:cNvSpPr>
+                <a:spLocks noGrp="1"/>
+              </p:cNvSpPr>
+              <p:nvPr>
+                <p:ph idx="1"/>
+              </p:nvPr>
+            </p:nvSpPr>
+            <p:spPr>
+              <a:xfrm>
+                <a:off x="1451579" y="2015734"/>
+                <a:ext cx="5622284" cy="3450613"/>
+              </a:xfrm>
+            </p:spPr>
+            <p:txBody>
+              <a:bodyPr>
+                <a:normAutofit/>
+              </a:bodyPr>
+              <a:lstStyle/>
+              <a:p>
+                <a:r>
+                  <a:rPr lang="en-US" dirty="0"/>
+                  <a:t>Here, the error is one more iteration of the loop – </a:t>
+                </a:r>
+                <a14:m>
+                  <m:oMath xmlns:m="http://schemas.openxmlformats.org/officeDocument/2006/math">
+                    <m:r>
+                      <a:rPr lang="en-US" b="0" i="1" smtClean="0">
+                        <a:latin typeface="Cambria Math" panose="02040503050406030204" pitchFamily="18" charset="0"/>
+                      </a:rPr>
+                      <m:t>𝑖</m:t>
+                    </m:r>
+                    <m:r>
+                      <a:rPr lang="en-US" b="0" i="1" smtClean="0">
+                        <a:latin typeface="Cambria Math" panose="02040503050406030204" pitchFamily="18" charset="0"/>
+                      </a:rPr>
+                      <m:t>&gt;</m:t>
+                    </m:r>
+                    <m:r>
+                      <a:rPr lang="en-US" b="0" i="1" smtClean="0">
+                        <a:latin typeface="Cambria Math" panose="02040503050406030204" pitchFamily="18" charset="0"/>
+                      </a:rPr>
+                      <m:t>0</m:t>
+                    </m:r>
+                  </m:oMath>
+                </a14:m>
+                <a:r>
+                  <a:rPr lang="en-US" dirty="0"/>
+                  <a:t> changed to </a:t>
+                </a:r>
+                <a14:m>
+                  <m:oMath xmlns:m="http://schemas.openxmlformats.org/officeDocument/2006/math">
+                    <m:r>
+                      <a:rPr lang="en-US" b="0" i="1" smtClean="0">
+                        <a:latin typeface="Cambria Math" panose="02040503050406030204" pitchFamily="18" charset="0"/>
+                      </a:rPr>
+                      <m:t>𝑖</m:t>
+                    </m:r>
+                    <m:r>
+                      <a:rPr lang="en-US" b="0" i="1" smtClean="0">
+                        <a:latin typeface="Cambria Math" panose="02040503050406030204" pitchFamily="18" charset="0"/>
+                      </a:rPr>
+                      <m:t>≥</m:t>
+                    </m:r>
+                    <m:r>
+                      <a:rPr lang="en-US" b="0" i="1" smtClean="0">
+                        <a:latin typeface="Cambria Math" panose="02040503050406030204" pitchFamily="18" charset="0"/>
+                      </a:rPr>
+                      <m:t>0</m:t>
+                    </m:r>
+                  </m:oMath>
+                </a14:m>
+                <a:r>
+                  <a:rPr lang="en-US" dirty="0"/>
+                  <a:t> in the loop condition</a:t>
+                </a:r>
+              </a:p>
+              <a:p>
+                <a:r>
+                  <a:rPr lang="en-US" dirty="0"/>
+                  <a:t>FP verifier returned an invariants stack</a:t>
+                </a:r>
+              </a:p>
+              <a:p>
+                <a:pPr marL="0" indent="0">
+                  <a:buNone/>
+                </a:pPr>
+                <a:endParaRPr lang="en-US" dirty="0"/>
+              </a:p>
+            </p:txBody>
+          </p:sp>
+        </mc:Choice>
+        <mc:Fallback xmlns="">
+          <p:sp>
+            <p:nvSpPr>
+              <p:cNvPr id="3" name="Content Placeholder 2">
+                <a:extLst>
+                  <a:ext uri="{FF2B5EF4-FFF2-40B4-BE49-F238E27FC236}">
+                    <a16:creationId xmlns:a16="http://schemas.microsoft.com/office/drawing/2014/main" id="{5016E0E9-DA0A-40FB-8470-F9ACBD53F67B}"/>
+                  </a:ext>
+                </a:extLst>
+              </p:cNvPr>
+              <p:cNvSpPr>
+                <a:spLocks noGrp="1" noRot="1" noChangeAspect="1" noMove="1" noResize="1" noEditPoints="1" noAdjustHandles="1" noChangeArrowheads="1" noChangeShapeType="1" noTextEdit="1"/>
+              </p:cNvSpPr>
+              <p:nvPr>
+                <p:ph idx="1"/>
+              </p:nvPr>
+            </p:nvSpPr>
+            <p:spPr>
+              <a:xfrm>
+                <a:off x="1451579" y="2015734"/>
+                <a:ext cx="5622284" cy="3450613"/>
+              </a:xfrm>
+              <a:blipFill>
+                <a:blip r:embed="rId2"/>
+                <a:stretch>
+                  <a:fillRect l="-976" t="-177"/>
+                </a:stretch>
+              </a:blipFill>
+            </p:spPr>
+            <p:txBody>
+              <a:bodyPr/>
+              <a:lstStyle/>
+              <a:p>
+                <a:r>
+                  <a:rPr lang="en-US">
+                    <a:noFill/>
+                  </a:rPr>
+                  <a:t> </a:t>
+                </a:r>
+              </a:p>
+            </p:txBody>
+          </p:sp>
+        </mc:Fallback>
+      </mc:AlternateContent>
+      <p:pic>
+        <p:nvPicPr>
+          <p:cNvPr id="4" name="Picture 3">
+            <a:extLst>
+              <a:ext uri="{FF2B5EF4-FFF2-40B4-BE49-F238E27FC236}">
+                <a16:creationId xmlns:a16="http://schemas.microsoft.com/office/drawing/2014/main" id="{1C250AD2-9D17-457B-838D-7C9821260BF0}"/>
+              </a:ext>
+            </a:extLst>
+          </p:cNvPr>
+          <p:cNvPicPr>
+            <a:picLocks noChangeAspect="1"/>
+          </p:cNvPicPr>
+          <p:nvPr/>
+        </p:nvPicPr>
+        <p:blipFill>
+          <a:blip r:embed="rId3"/>
+          <a:stretch>
+            <a:fillRect/>
+          </a:stretch>
+        </p:blipFill>
+        <p:spPr>
+          <a:xfrm>
+            <a:off x="5576292" y="3483086"/>
+            <a:ext cx="5478562" cy="1521161"/>
+          </a:xfrm>
+          <a:prstGeom prst="rect">
+            <a:avLst/>
+          </a:prstGeom>
+        </p:spPr>
+      </p:pic>
+    </p:spTree>
+    <p:extLst>
+      <p:ext uri="{BB962C8B-B14F-4D97-AF65-F5344CB8AC3E}">
+        <p14:creationId xmlns:p14="http://schemas.microsoft.com/office/powerpoint/2010/main" val="3340982750"/>
+      </p:ext>
+    </p:extLst>
+  </p:cSld>
+  <p:clrMapOvr>
+    <a:masterClrMapping/>
+  </p:clrMapOvr>
+</p:sld>
+</file>
+
+<file path=ppt/slides/slide78.xml><?xml version="1.0" encoding="utf-8"?>
+<p:sld xmlns:a="http://schemas.openxmlformats.org/drawingml/2006/main" xmlns:r="http://schemas.openxmlformats.org/officeDocument/2006/relationships" xmlns:p="http://schemas.openxmlformats.org/presentationml/2006/main">
+  <p:cSld>
+    <p:bg>
+      <p:bgPr>
+        <a:gradFill rotWithShape="1">
+          <a:gsLst>
+            <a:gs pos="0">
+              <a:schemeClr val="bg2">
+                <a:tint val="94000"/>
+                <a:satMod val="80000"/>
+                <a:lumMod val="106000"/>
+              </a:schemeClr>
+            </a:gs>
+            <a:gs pos="100000">
+              <a:schemeClr val="bg2">
+                <a:shade val="80000"/>
+              </a:schemeClr>
+            </a:gs>
+          </a:gsLst>
+          <a:path path="circle">
+            <a:fillToRect l="43000" r="43000" b="100000"/>
+          </a:path>
+        </a:gradFill>
+        <a:effectLst/>
+      </p:bgPr>
+    </p:bg>
+    <p:spTree>
+      <p:nvGrpSpPr>
+        <p:cNvPr id="1" name=""/>
+        <p:cNvGrpSpPr/>
+        <p:nvPr/>
+      </p:nvGrpSpPr>
+      <p:grpSpPr>
+        <a:xfrm>
+          <a:off x="0" y="0"/>
+          <a:ext cx="0" cy="0"/>
+          <a:chOff x="0" y="0"/>
+          <a:chExt cx="0" cy="0"/>
+        </a:xfrm>
+      </p:grpSpPr>
+      <p:sp>
+        <p:nvSpPr>
+          <p:cNvPr id="8" name="Rectangle 7">
+            <a:extLst>
+              <a:ext uri="{FF2B5EF4-FFF2-40B4-BE49-F238E27FC236}">
+                <a16:creationId xmlns:a16="http://schemas.microsoft.com/office/drawing/2014/main" id="{1CE580D1-F917-4567-AFB4-99AA9B52ADF0}"/>
               </a:ext>
               <a:ext uri="{C183D7F6-B498-43B3-948B-1728B52AA6E4}">
                 <adec:decorative xmlns:adec="http://schemas.microsoft.com/office/drawing/2017/decorative" val="1"/>
@@ -50058,10 +50224,10 @@
       </p:sp>
       <p:pic>
         <p:nvPicPr>
-          <p:cNvPr id="11" name="Picture 10">
-            <a:extLst>
-              <a:ext uri="{FF2B5EF4-FFF2-40B4-BE49-F238E27FC236}">
-                <a16:creationId xmlns:a16="http://schemas.microsoft.com/office/drawing/2014/main" id="{012FDCFE-9AD2-4D8A-8CBF-B3AA37EBF6DD}"/>
+          <p:cNvPr id="10" name="Picture 9">
+            <a:extLst>
+              <a:ext uri="{FF2B5EF4-FFF2-40B4-BE49-F238E27FC236}">
+                <a16:creationId xmlns:a16="http://schemas.microsoft.com/office/drawing/2014/main" id="{1F5620B8-A2D8-4568-B566-F0453A0D9167}"/>
               </a:ext>
               <a:ext uri="{C183D7F6-B498-43B3-948B-1728B52AA6E4}">
                 <adec:decorative xmlns:adec="http://schemas.microsoft.com/office/drawing/2017/decorative" val="1"/>
@@ -50102,10 +50268,10 @@
       </p:pic>
       <p:cxnSp>
         <p:nvCxnSpPr>
-          <p:cNvPr id="13" name="Straight Connector 12">
-            <a:extLst>
-              <a:ext uri="{FF2B5EF4-FFF2-40B4-BE49-F238E27FC236}">
-                <a16:creationId xmlns:a16="http://schemas.microsoft.com/office/drawing/2014/main" id="{FBD463FC-4CA8-4FF4-85A3-AF9F4B98D210}"/>
+          <p:cNvPr id="12" name="Straight Connector 11">
+            <a:extLst>
+              <a:ext uri="{FF2B5EF4-FFF2-40B4-BE49-F238E27FC236}">
+                <a16:creationId xmlns:a16="http://schemas.microsoft.com/office/drawing/2014/main" id="{1C7D2BA4-4B7A-4596-8BCC-5CF715423894}"/>
               </a:ext>
               <a:ext uri="{C183D7F6-B498-43B3-948B-1728B52AA6E4}">
                 <adec:decorative xmlns:adec="http://schemas.microsoft.com/office/drawing/2017/decorative" val="1"/>
@@ -50156,10 +50322,10 @@
       </p:cxnSp>
       <p:cxnSp>
         <p:nvCxnSpPr>
-          <p:cNvPr id="15" name="Straight Connector 14">
-            <a:extLst>
-              <a:ext uri="{FF2B5EF4-FFF2-40B4-BE49-F238E27FC236}">
-                <a16:creationId xmlns:a16="http://schemas.microsoft.com/office/drawing/2014/main" id="{BECF35C3-8B44-4F4B-BD25-4C01823DB22A}"/>
+          <p:cNvPr id="14" name="Straight Connector 13">
+            <a:extLst>
+              <a:ext uri="{FF2B5EF4-FFF2-40B4-BE49-F238E27FC236}">
+                <a16:creationId xmlns:a16="http://schemas.microsoft.com/office/drawing/2014/main" id="{4977F1E1-2B6F-4BB6-899F-67D8764D83C5}"/>
               </a:ext>
               <a:ext uri="{C183D7F6-B498-43B3-948B-1728B52AA6E4}">
                 <adec:decorative xmlns:adec="http://schemas.microsoft.com/office/drawing/2017/decorative" val="1"/>
@@ -50204,10 +50370,10 @@
       </p:cxnSp>
       <p:sp useBgFill="1">
         <p:nvSpPr>
-          <p:cNvPr id="17" name="Rectangle 16">
-            <a:extLst>
-              <a:ext uri="{FF2B5EF4-FFF2-40B4-BE49-F238E27FC236}">
-                <a16:creationId xmlns:a16="http://schemas.microsoft.com/office/drawing/2014/main" id="{CE2313CB-AD5A-4ABF-8017-2F3888D07300}"/>
+          <p:cNvPr id="16" name="Rectangle 15">
+            <a:extLst>
+              <a:ext uri="{FF2B5EF4-FFF2-40B4-BE49-F238E27FC236}">
+                <a16:creationId xmlns:a16="http://schemas.microsoft.com/office/drawing/2014/main" id="{8D095B41-7312-4603-9F0F-93387C353134}"/>
               </a:ext>
               <a:ext uri="{C183D7F6-B498-43B3-948B-1728B52AA6E4}">
                 <adec:decorative xmlns:adec="http://schemas.microsoft.com/office/drawing/2017/decorative" val="1"/>
@@ -50233,6 +50399,120 @@
           <a:prstGeom prst="rect">
             <a:avLst/>
           </a:prstGeom>
+          <a:ln>
+            <a:noFill/>
+          </a:ln>
+        </p:spPr>
+        <p:style>
+          <a:lnRef idx="2">
+            <a:schemeClr val="accent1">
+              <a:shade val="50000"/>
+            </a:schemeClr>
+          </a:lnRef>
+          <a:fillRef idx="1">
+            <a:schemeClr val="accent1"/>
+          </a:fillRef>
+          <a:effectRef idx="0">
+            <a:schemeClr val="accent1"/>
+          </a:effectRef>
+          <a:fontRef idx="minor">
+            <a:schemeClr val="lt1"/>
+          </a:fontRef>
+        </p:style>
+        <p:txBody>
+          <a:bodyPr rtlCol="0" anchor="ctr"/>
+          <a:lstStyle/>
+          <a:p>
+            <a:pPr algn="ctr"/>
+            <a:endParaRPr lang="en-US"/>
+          </a:p>
+        </p:txBody>
+      </p:sp>
+      <p:pic>
+        <p:nvPicPr>
+          <p:cNvPr id="4" name="Picture 3" descr="Computer script on a screen">
+            <a:extLst>
+              <a:ext uri="{FF2B5EF4-FFF2-40B4-BE49-F238E27FC236}">
+                <a16:creationId xmlns:a16="http://schemas.microsoft.com/office/drawing/2014/main" id="{7B0BDDF9-7599-419D-92A6-D08C5619D0D2}"/>
+              </a:ext>
+            </a:extLst>
+          </p:cNvPr>
+          <p:cNvPicPr>
+            <a:picLocks noChangeAspect="1"/>
+          </p:cNvPicPr>
+          <p:nvPr/>
+        </p:nvPicPr>
+        <p:blipFill rotWithShape="1">
+          <a:blip r:embed="rId3">
+            <a:duotone>
+              <a:schemeClr val="bg2">
+                <a:shade val="45000"/>
+                <a:satMod val="135000"/>
+              </a:schemeClr>
+              <a:prstClr val="white"/>
+            </a:duotone>
+            <a:alphaModFix amt="50000"/>
+          </a:blip>
+          <a:srcRect t="5980" r="-1" b="9748"/>
+          <a:stretch/>
+        </p:blipFill>
+        <p:spPr>
+          <a:xfrm>
+            <a:off x="305" y="10"/>
+            <a:ext cx="12191695" cy="6857990"/>
+          </a:xfrm>
+          <a:prstGeom prst="rect">
+            <a:avLst/>
+          </a:prstGeom>
+        </p:spPr>
+      </p:pic>
+      <p:sp>
+        <p:nvSpPr>
+          <p:cNvPr id="18" name="Rectangle 17">
+            <a:extLst>
+              <a:ext uri="{FF2B5EF4-FFF2-40B4-BE49-F238E27FC236}">
+                <a16:creationId xmlns:a16="http://schemas.microsoft.com/office/drawing/2014/main" id="{1042C936-444C-4F0D-9737-291EAFE1E7E4}"/>
+              </a:ext>
+              <a:ext uri="{C183D7F6-B498-43B3-948B-1728B52AA6E4}">
+                <adec:decorative xmlns:adec="http://schemas.microsoft.com/office/drawing/2017/decorative" val="1"/>
+              </a:ext>
+            </a:extLst>
+          </p:cNvPr>
+          <p:cNvSpPr>
+            <a:spLocks noGrp="1" noRot="1" noChangeAspect="1" noMove="1" noResize="1" noEditPoints="1" noAdjustHandles="1" noChangeArrowheads="1" noChangeShapeType="1" noTextEdit="1"/>
+          </p:cNvSpPr>
+          <p:nvPr>
+            <p:extLst>
+              <p:ext uri="{386F3935-93C4-4BCD-93E2-E3B085C9AB24}">
+                <p16:designElem xmlns:p16="http://schemas.microsoft.com/office/powerpoint/2015/main" val="1"/>
+              </p:ext>
+            </p:extLst>
+          </p:nvPr>
+        </p:nvSpPr>
+        <p:spPr>
+          <a:xfrm>
+            <a:off x="0" y="2019476"/>
+            <a:ext cx="12192000" cy="4105941"/>
+          </a:xfrm>
+          <a:prstGeom prst="rect">
+            <a:avLst/>
+          </a:prstGeom>
+          <a:gradFill flip="none" rotWithShape="1">
+            <a:gsLst>
+              <a:gs pos="0">
+                <a:schemeClr val="bg2">
+                  <a:alpha val="0"/>
+                </a:schemeClr>
+              </a:gs>
+              <a:gs pos="100000">
+                <a:schemeClr val="bg2">
+                  <a:alpha val="80000"/>
+                </a:schemeClr>
+              </a:gs>
+            </a:gsLst>
+            <a:lin ang="5400000" scaled="0"/>
+            <a:tileRect/>
+          </a:gradFill>
           <a:ln>
             <a:noFill/>
           </a:ln>
@@ -50264,84 +50544,10 @@
       </p:sp>
       <p:sp>
         <p:nvSpPr>
-          <p:cNvPr id="19" name="Rectangle 18">
-            <a:extLst>
-              <a:ext uri="{FF2B5EF4-FFF2-40B4-BE49-F238E27FC236}">
-                <a16:creationId xmlns:a16="http://schemas.microsoft.com/office/drawing/2014/main" id="{FDE009D9-E9CB-4EBB-A0C6-C345F84959D4}"/>
-              </a:ext>
-              <a:ext uri="{C183D7F6-B498-43B3-948B-1728B52AA6E4}">
-                <adec:decorative xmlns:adec="http://schemas.microsoft.com/office/drawing/2017/decorative" val="1"/>
-              </a:ext>
-            </a:extLst>
-          </p:cNvPr>
-          <p:cNvSpPr>
-            <a:spLocks noGrp="1" noRot="1" noChangeAspect="1" noMove="1" noResize="1" noEditPoints="1" noAdjustHandles="1" noChangeArrowheads="1" noChangeShapeType="1" noTextEdit="1"/>
-          </p:cNvSpPr>
-          <p:nvPr>
-            <p:extLst>
-              <p:ext uri="{386F3935-93C4-4BCD-93E2-E3B085C9AB24}">
-                <p16:designElem xmlns:p16="http://schemas.microsoft.com/office/powerpoint/2015/main" val="1"/>
-              </p:ext>
-            </p:extLst>
-          </p:nvPr>
-        </p:nvSpPr>
-        <p:spPr>
-          <a:xfrm>
-            <a:off x="0" y="2019476"/>
-            <a:ext cx="12192000" cy="4105941"/>
-          </a:xfrm>
-          <a:prstGeom prst="rect">
-            <a:avLst/>
-          </a:prstGeom>
-          <a:gradFill flip="none" rotWithShape="1">
-            <a:gsLst>
-              <a:gs pos="0">
-                <a:schemeClr val="bg2">
-                  <a:alpha val="0"/>
-                </a:schemeClr>
-              </a:gs>
-              <a:gs pos="100000">
-                <a:schemeClr val="bg2"/>
-              </a:gs>
-            </a:gsLst>
-            <a:lin ang="5400000" scaled="0"/>
-            <a:tileRect/>
-          </a:gradFill>
-          <a:ln>
-            <a:noFill/>
-          </a:ln>
-        </p:spPr>
-        <p:style>
-          <a:lnRef idx="2">
-            <a:schemeClr val="accent1">
-              <a:shade val="50000"/>
-            </a:schemeClr>
-          </a:lnRef>
-          <a:fillRef idx="1">
-            <a:schemeClr val="accent1"/>
-          </a:fillRef>
-          <a:effectRef idx="0">
-            <a:schemeClr val="accent1"/>
-          </a:effectRef>
-          <a:fontRef idx="minor">
-            <a:schemeClr val="lt1"/>
-          </a:fontRef>
-        </p:style>
-        <p:txBody>
-          <a:bodyPr rtlCol="0" anchor="ctr"/>
-          <a:lstStyle/>
-          <a:p>
-            <a:pPr lvl="0" algn="ctr"/>
-            <a:endParaRPr lang="en-US"/>
-          </a:p>
-        </p:txBody>
-      </p:sp>
-      <p:sp>
-        <p:nvSpPr>
           <p:cNvPr id="2" name="Title 1">
             <a:extLst>
               <a:ext uri="{FF2B5EF4-FFF2-40B4-BE49-F238E27FC236}">
-                <a16:creationId xmlns:a16="http://schemas.microsoft.com/office/drawing/2014/main" id="{8940FA7E-2F2E-4AFF-8B76-19967F4DD013}"/>
+                <a16:creationId xmlns:a16="http://schemas.microsoft.com/office/drawing/2014/main" id="{5A1AD002-4D59-49BB-8A1F-61EC9C228FCD}"/>
               </a:ext>
             </a:extLst>
           </p:cNvPr>
@@ -50354,8 +50560,8 @@
         </p:nvSpPr>
         <p:spPr>
           <a:xfrm>
-            <a:off x="1776729" y="4459039"/>
-            <a:ext cx="8643011" cy="551528"/>
+            <a:off x="2417779" y="802298"/>
+            <a:ext cx="8637073" cy="2541431"/>
           </a:xfrm>
         </p:spPr>
         <p:txBody>
@@ -50365,30 +50571,30 @@
           <a:lstStyle/>
           <a:p>
             <a:br>
-              <a:rPr lang="en-US" sz="1700"/>
+              <a:rPr lang="en-US" sz="6600" dirty="0"/>
             </a:br>
             <a:r>
-              <a:rPr lang="en-US" sz="1700"/>
+              <a:rPr lang="en-US" sz="6600" dirty="0"/>
               <a:t>demo</a:t>
             </a:r>
           </a:p>
         </p:txBody>
       </p:sp>
-      <p:grpSp>
-        <p:nvGrpSpPr>
-          <p:cNvPr id="21" name="Group 20">
-            <a:extLst>
-              <a:ext uri="{FF2B5EF4-FFF2-40B4-BE49-F238E27FC236}">
-                <a16:creationId xmlns:a16="http://schemas.microsoft.com/office/drawing/2014/main" id="{230FFF44-4B6D-47A3-8EF6-EC72DA2A7FFD}"/>
+      <p:cxnSp>
+        <p:nvCxnSpPr>
+          <p:cNvPr id="20" name="Straight Connector 19">
+            <a:extLst>
+              <a:ext uri="{FF2B5EF4-FFF2-40B4-BE49-F238E27FC236}">
+                <a16:creationId xmlns:a16="http://schemas.microsoft.com/office/drawing/2014/main" id="{B61C4D9F-F4AF-4ED2-9310-56EB2E19C084}"/>
               </a:ext>
               <a:ext uri="{C183D7F6-B498-43B3-948B-1728B52AA6E4}">
                 <adec:decorative xmlns:adec="http://schemas.microsoft.com/office/drawing/2017/decorative" val="1"/>
               </a:ext>
             </a:extLst>
           </p:cNvPr>
-          <p:cNvGrpSpPr>
-            <a:grpSpLocks noGrp="1" noUngrp="1" noRot="1" noChangeAspect="1" noMove="1" noResize="1"/>
-          </p:cNvGrpSpPr>
+          <p:cNvCxnSpPr>
+            <a:cxnSpLocks noGrp="1" noRot="1" noChangeAspect="1" noMove="1" noResize="1" noEditPoints="1" noAdjustHandles="1" noChangeArrowheads="1" noChangeShapeType="1"/>
+          </p:cNvCxnSpPr>
           <p:nvPr>
             <p:extLst>
               <p:ext uri="{386F3935-93C4-4BCD-93E2-E3B085C9AB24}">
@@ -50396,312 +50602,11 @@
               </p:ext>
             </p:extLst>
           </p:nvPr>
-        </p:nvGrpSpPr>
-        <p:grpSpPr>
-          <a:xfrm>
-            <a:off x="1445672" y="323838"/>
-            <a:ext cx="9299965" cy="3652791"/>
-            <a:chOff x="1445672" y="323838"/>
-            <a:chExt cx="9299965" cy="3652791"/>
-          </a:xfrm>
-        </p:grpSpPr>
-        <p:sp>
-          <p:nvSpPr>
-            <p:cNvPr id="26" name="Rectangle 21">
-              <a:extLst>
-                <a:ext uri="{FF2B5EF4-FFF2-40B4-BE49-F238E27FC236}">
-                  <a16:creationId xmlns:a16="http://schemas.microsoft.com/office/drawing/2014/main" id="{02C9BEEC-0281-408B-840C-9C73B781A9CC}"/>
-                </a:ext>
-                <a:ext uri="{C183D7F6-B498-43B3-948B-1728B52AA6E4}">
-                  <adec:decorative xmlns:adec="http://schemas.microsoft.com/office/drawing/2017/decorative" val="1"/>
-                </a:ext>
-              </a:extLst>
-            </p:cNvPr>
-            <p:cNvSpPr/>
-            <p:nvPr>
-              <p:extLst>
-                <p:ext uri="{386F3935-93C4-4BCD-93E2-E3B085C9AB24}">
-                  <p16:designElem xmlns:p16="http://schemas.microsoft.com/office/powerpoint/2015/main" val="1"/>
-                </p:ext>
-              </p:extLst>
-            </p:nvPr>
-          </p:nvSpPr>
-          <p:spPr>
-            <a:xfrm>
-              <a:off x="1445672" y="323838"/>
-              <a:ext cx="9299965" cy="3652791"/>
-            </a:xfrm>
-            <a:prstGeom prst="rect">
-              <a:avLst/>
-            </a:prstGeom>
-            <a:gradFill>
-              <a:gsLst>
-                <a:gs pos="0">
-                  <a:srgbClr val="000001"/>
-                </a:gs>
-                <a:gs pos="100000">
-                  <a:srgbClr val="191919"/>
-                </a:gs>
-              </a:gsLst>
-            </a:gradFill>
-            <a:ln w="76200" cmpd="sng">
-              <a:noFill/>
-              <a:miter lim="800000"/>
-            </a:ln>
-            <a:effectLst>
-              <a:outerShdw blurRad="127000" dist="228600" dir="4740000" sx="98000" sy="98000" algn="tl" rotWithShape="0">
-                <a:srgbClr val="000000">
-                  <a:alpha val="34000"/>
-                </a:srgbClr>
-              </a:outerShdw>
-            </a:effectLst>
-            <a:scene3d>
-              <a:camera prst="orthographicFront"/>
-              <a:lightRig rig="threePt" dir="t"/>
-            </a:scene3d>
-            <a:sp3d>
-              <a:bevelT w="152400" h="50800" prst="softRound"/>
-            </a:sp3d>
-          </p:spPr>
-          <p:style>
-            <a:lnRef idx="1">
-              <a:schemeClr val="accent1"/>
-            </a:lnRef>
-            <a:fillRef idx="3">
-              <a:schemeClr val="accent1"/>
-            </a:fillRef>
-            <a:effectRef idx="2">
-              <a:schemeClr val="accent1"/>
-            </a:effectRef>
-            <a:fontRef idx="minor">
-              <a:schemeClr val="lt1"/>
-            </a:fontRef>
-          </p:style>
-          <p:txBody>
-            <a:bodyPr rtlCol="0" anchor="ctr"/>
-            <a:lstStyle/>
-            <a:p>
-              <a:pPr algn="ctr"/>
-              <a:endParaRPr lang="en-US"/>
-            </a:p>
-          </p:txBody>
-        </p:sp>
-        <p:sp>
-          <p:nvSpPr>
-            <p:cNvPr id="23" name="Rectangle 22">
-              <a:extLst>
-                <a:ext uri="{FF2B5EF4-FFF2-40B4-BE49-F238E27FC236}">
-                  <a16:creationId xmlns:a16="http://schemas.microsoft.com/office/drawing/2014/main" id="{6A308C4D-7B09-4FA1-B1F7-77E5C3FDF503}"/>
-                </a:ext>
-                <a:ext uri="{C183D7F6-B498-43B3-948B-1728B52AA6E4}">
-                  <adec:decorative xmlns:adec="http://schemas.microsoft.com/office/drawing/2017/decorative" val="1"/>
-                </a:ext>
-              </a:extLst>
-            </p:cNvPr>
-            <p:cNvSpPr/>
-            <p:nvPr>
-              <p:extLst>
-                <p:ext uri="{386F3935-93C4-4BCD-93E2-E3B085C9AB24}">
-                  <p16:designElem xmlns:p16="http://schemas.microsoft.com/office/powerpoint/2015/main" val="1"/>
-                </p:ext>
-              </p:extLst>
-            </p:nvPr>
-          </p:nvSpPr>
-          <p:spPr>
-            <a:xfrm>
-              <a:off x="1758238" y="647445"/>
-              <a:ext cx="8673013" cy="3002215"/>
-            </a:xfrm>
-            <a:prstGeom prst="rect">
-              <a:avLst/>
-            </a:prstGeom>
-            <a:gradFill>
-              <a:gsLst>
-                <a:gs pos="0">
-                  <a:srgbClr val="DADADA"/>
-                </a:gs>
-                <a:gs pos="100000">
-                  <a:srgbClr val="FFFFFE"/>
-                </a:gs>
-              </a:gsLst>
-              <a:lin ang="16200000" scaled="0"/>
-            </a:gradFill>
-            <a:ln w="50800" cmpd="sng">
-              <a:solidFill>
-                <a:srgbClr val="191919"/>
-              </a:solidFill>
-              <a:miter lim="800000"/>
-            </a:ln>
-            <a:effectLst>
-              <a:innerShdw blurRad="63500" dist="88900" dir="14100000">
-                <a:srgbClr val="000000">
-                  <a:alpha val="30000"/>
-                </a:srgbClr>
-              </a:innerShdw>
-            </a:effectLst>
-            <a:scene3d>
-              <a:camera prst="orthographicFront"/>
-              <a:lightRig rig="threePt" dir="t"/>
-            </a:scene3d>
-            <a:sp3d>
-              <a:bevelT prst="relaxedInset"/>
-            </a:sp3d>
-          </p:spPr>
-          <p:style>
-            <a:lnRef idx="1">
-              <a:schemeClr val="accent1"/>
-            </a:lnRef>
-            <a:fillRef idx="3">
-              <a:schemeClr val="accent1"/>
-            </a:fillRef>
-            <a:effectRef idx="2">
-              <a:schemeClr val="accent1"/>
-            </a:effectRef>
-            <a:fontRef idx="minor">
-              <a:schemeClr val="lt1"/>
-            </a:fontRef>
-          </p:style>
-          <p:txBody>
-            <a:bodyPr rtlCol="0" anchor="ctr"/>
-            <a:lstStyle/>
-            <a:p>
-              <a:pPr algn="ctr"/>
-              <a:endParaRPr lang="en-US"/>
-            </a:p>
-          </p:txBody>
-        </p:sp>
-      </p:grpSp>
-      <p:sp>
-        <p:nvSpPr>
-          <p:cNvPr id="25" name="Rectangle 24">
-            <a:extLst>
-              <a:ext uri="{FF2B5EF4-FFF2-40B4-BE49-F238E27FC236}">
-                <a16:creationId xmlns:a16="http://schemas.microsoft.com/office/drawing/2014/main" id="{EC547D0E-8A87-4725-8224-311D6A772966}"/>
-              </a:ext>
-              <a:ext uri="{C183D7F6-B498-43B3-948B-1728B52AA6E4}">
-                <adec:decorative xmlns:adec="http://schemas.microsoft.com/office/drawing/2017/decorative" val="1"/>
-              </a:ext>
-            </a:extLst>
-          </p:cNvPr>
-          <p:cNvSpPr>
-            <a:spLocks noGrp="1" noRot="1" noChangeAspect="1" noMove="1" noResize="1" noEditPoints="1" noAdjustHandles="1" noChangeArrowheads="1" noChangeShapeType="1" noTextEdit="1"/>
-          </p:cNvSpPr>
-          <p:nvPr>
-            <p:extLst>
-              <p:ext uri="{386F3935-93C4-4BCD-93E2-E3B085C9AB24}">
-                <p16:designElem xmlns:p16="http://schemas.microsoft.com/office/powerpoint/2015/main" val="1"/>
-              </p:ext>
-            </p:extLst>
-          </p:nvPr>
-        </p:nvSpPr>
-        <p:spPr>
-          <a:xfrm>
-            <a:off x="1913410" y="806495"/>
-            <a:ext cx="8347608" cy="2678774"/>
-          </a:xfrm>
-          <a:prstGeom prst="rect">
-            <a:avLst/>
-          </a:prstGeom>
-          <a:solidFill>
-            <a:schemeClr val="bg1"/>
-          </a:solidFill>
-          <a:ln w="6350">
-            <a:solidFill>
-              <a:schemeClr val="bg2"/>
-            </a:solidFill>
-          </a:ln>
-        </p:spPr>
-        <p:style>
-          <a:lnRef idx="2">
-            <a:schemeClr val="accent1">
-              <a:shade val="50000"/>
-            </a:schemeClr>
-          </a:lnRef>
-          <a:fillRef idx="1">
-            <a:schemeClr val="accent1"/>
-          </a:fillRef>
-          <a:effectRef idx="0">
-            <a:schemeClr val="accent1"/>
-          </a:effectRef>
-          <a:fontRef idx="minor">
-            <a:schemeClr val="lt1"/>
-          </a:fontRef>
-        </p:style>
-        <p:txBody>
-          <a:bodyPr rtlCol="0" anchor="ctr"/>
-          <a:lstStyle/>
-          <a:p>
-            <a:pPr algn="ctr"/>
-            <a:endParaRPr lang="en-US"/>
-          </a:p>
-        </p:txBody>
-      </p:sp>
-      <p:pic>
-        <p:nvPicPr>
-          <p:cNvPr id="6" name="Graphic 5" descr="Play">
-            <a:extLst>
-              <a:ext uri="{FF2B5EF4-FFF2-40B4-BE49-F238E27FC236}">
-                <a16:creationId xmlns:a16="http://schemas.microsoft.com/office/drawing/2014/main" id="{B9FF9085-30F2-4E9A-8FAD-B21E4A735C2C}"/>
-              </a:ext>
-            </a:extLst>
-          </p:cNvPr>
-          <p:cNvPicPr>
-            <a:picLocks noChangeAspect="1"/>
-          </p:cNvPicPr>
-          <p:nvPr/>
-        </p:nvPicPr>
-        <p:blipFill>
-          <a:blip r:embed="rId3">
-            <a:extLst>
-              <a:ext uri="{28A0092B-C50C-407E-A947-70E740481C1C}">
-                <a14:useLocalDpi xmlns:a14="http://schemas.microsoft.com/office/drawing/2010/main" val="0"/>
-              </a:ext>
-              <a:ext uri="{96DAC541-7B7A-43D3-8B79-37D633B846F1}">
-                <asvg:svgBlip xmlns:asvg="http://schemas.microsoft.com/office/drawing/2016/SVG/main" r:embed="rId4"/>
-              </a:ext>
-            </a:extLst>
-          </a:blip>
-          <a:stretch>
-            <a:fillRect/>
-          </a:stretch>
-        </p:blipFill>
-        <p:spPr>
-          <a:xfrm>
-            <a:off x="4905649" y="963739"/>
-            <a:ext cx="2369223" cy="2369223"/>
-          </a:xfrm>
-          <a:prstGeom prst="rect">
-            <a:avLst/>
-          </a:prstGeom>
-        </p:spPr>
-      </p:pic>
-      <p:cxnSp>
-        <p:nvCxnSpPr>
-          <p:cNvPr id="27" name="Straight Connector 26">
-            <a:extLst>
-              <a:ext uri="{FF2B5EF4-FFF2-40B4-BE49-F238E27FC236}">
-                <a16:creationId xmlns:a16="http://schemas.microsoft.com/office/drawing/2014/main" id="{3E5C3848-5A58-4B84-AFBB-E7D9B99EB1EA}"/>
-              </a:ext>
-              <a:ext uri="{C183D7F6-B498-43B3-948B-1728B52AA6E4}">
-                <adec:decorative xmlns:adec="http://schemas.microsoft.com/office/drawing/2017/decorative" val="1"/>
-              </a:ext>
-            </a:extLst>
-          </p:cNvPr>
-          <p:cNvCxnSpPr>
-            <a:cxnSpLocks noGrp="1" noRot="1" noChangeAspect="1" noMove="1" noResize="1" noEditPoints="1" noAdjustHandles="1" noChangeArrowheads="1" noChangeShapeType="1"/>
-          </p:cNvCxnSpPr>
-          <p:nvPr>
-            <p:extLst>
-              <p:ext uri="{386F3935-93C4-4BCD-93E2-E3B085C9AB24}">
-                <p16:designElem xmlns:p16="http://schemas.microsoft.com/office/powerpoint/2015/main" val="1"/>
-              </p:ext>
-            </p:extLst>
-          </p:nvPr>
         </p:nvCxnSpPr>
         <p:spPr>
           <a:xfrm>
-            <a:off x="1776728" y="5027185"/>
-            <a:ext cx="8643011" cy="0"/>
+            <a:off x="2417780" y="3528543"/>
+            <a:ext cx="8637072" cy="0"/>
           </a:xfrm>
           <a:prstGeom prst="line">
             <a:avLst/>
@@ -50725,10 +50630,10 @@
       </p:cxnSp>
       <p:pic>
         <p:nvPicPr>
-          <p:cNvPr id="29" name="Picture 28">
-            <a:extLst>
-              <a:ext uri="{FF2B5EF4-FFF2-40B4-BE49-F238E27FC236}">
-                <a16:creationId xmlns:a16="http://schemas.microsoft.com/office/drawing/2014/main" id="{3A580E99-2B1B-4372-A707-20312A9403A1}"/>
+          <p:cNvPr id="22" name="Picture 21">
+            <a:extLst>
+              <a:ext uri="{FF2B5EF4-FFF2-40B4-BE49-F238E27FC236}">
+                <a16:creationId xmlns:a16="http://schemas.microsoft.com/office/drawing/2014/main" id="{419FDB25-3050-4009-9806-3000DDD1C083}"/>
               </a:ext>
               <a:ext uri="{C183D7F6-B498-43B3-948B-1728B52AA6E4}">
                 <adec:decorative xmlns:adec="http://schemas.microsoft.com/office/drawing/2017/decorative" val="1"/>
@@ -50769,10 +50674,10 @@
       </p:pic>
       <p:cxnSp>
         <p:nvCxnSpPr>
-          <p:cNvPr id="31" name="Straight Connector 30">
-            <a:extLst>
-              <a:ext uri="{FF2B5EF4-FFF2-40B4-BE49-F238E27FC236}">
-                <a16:creationId xmlns:a16="http://schemas.microsoft.com/office/drawing/2014/main" id="{63B4A4AA-0179-4AB7-8EED-031600A724D6}"/>
+          <p:cNvPr id="24" name="Straight Connector 23">
+            <a:extLst>
+              <a:ext uri="{FF2B5EF4-FFF2-40B4-BE49-F238E27FC236}">
+                <a16:creationId xmlns:a16="http://schemas.microsoft.com/office/drawing/2014/main" id="{8063EF0F-7BC0-4CFB-AB98-20A8DD91D70F}"/>
               </a:ext>
               <a:ext uri="{C183D7F6-B498-43B3-948B-1728B52AA6E4}">
                 <adec:decorative xmlns:adec="http://schemas.microsoft.com/office/drawing/2017/decorative" val="1"/>
@@ -50824,7 +50729,7 @@
     </p:spTree>
     <p:extLst>
       <p:ext uri="{BB962C8B-B14F-4D97-AF65-F5344CB8AC3E}">
-        <p14:creationId xmlns:p14="http://schemas.microsoft.com/office/powerpoint/2010/main" val="477878803"/>
+        <p14:creationId xmlns:p14="http://schemas.microsoft.com/office/powerpoint/2010/main" val="1318345208"/>
       </p:ext>
     </p:extLst>
   </p:cSld>
@@ -50834,7 +50739,7 @@
 </p:sld>
 </file>
 
-<file path=ppt/slides/slide78.xml><?xml version="1.0" encoding="utf-8"?>
+<file path=ppt/slides/slide79.xml><?xml version="1.0" encoding="utf-8"?>
 <p:sld xmlns:a="http://schemas.openxmlformats.org/drawingml/2006/main" xmlns:r="http://schemas.openxmlformats.org/officeDocument/2006/relationships" xmlns:p="http://schemas.openxmlformats.org/presentationml/2006/main">
   <p:cSld>
     <p:bg>

--- a/Project Presentation.pptx
+++ b/Project Presentation.pptx
@@ -330,7 +330,7 @@
             <a:fld id="{11A6662E-FAF4-44BC-88B5-85A7CBFB6D30}" type="datetime1">
               <a:rPr lang="en-US" smtClean="0"/>
               <a:pPr/>
-              <a:t>6/29/2021</a:t>
+              <a:t>8/2/2021</a:t>
             </a:fld>
             <a:endParaRPr lang="en-US"/>
           </a:p>
@@ -542,7 +542,7 @@
           <a:p>
             <a:fld id="{4C559632-1575-4E14-B53B-3DC3D5ED3947}" type="datetime1">
               <a:rPr lang="en-US" smtClean="0"/>
-              <a:t>6/29/2021</a:t>
+              <a:t>8/2/2021</a:t>
             </a:fld>
             <a:endParaRPr lang="en-US"/>
           </a:p>
@@ -757,7 +757,7 @@
           <a:p>
             <a:fld id="{CC4A6868-2568-4CC9-B302-F37117B01A6E}" type="datetime1">
               <a:rPr lang="en-US" smtClean="0"/>
-              <a:t>6/29/2021</a:t>
+              <a:t>8/2/2021</a:t>
             </a:fld>
             <a:endParaRPr lang="en-US"/>
           </a:p>
@@ -958,7 +958,7 @@
           <a:p>
             <a:fld id="{0055F08A-1E71-4B2B-BB49-E743F2903911}" type="datetime1">
               <a:rPr lang="en-US" smtClean="0"/>
-              <a:t>6/29/2021</a:t>
+              <a:t>8/2/2021</a:t>
             </a:fld>
             <a:endParaRPr lang="en-US" dirty="0"/>
           </a:p>
@@ -1237,7 +1237,7 @@
           <a:p>
             <a:fld id="{15417D9E-721A-44BB-8863-9873FE64DA75}" type="datetime1">
               <a:rPr lang="en-US" smtClean="0"/>
-              <a:t>6/29/2021</a:t>
+              <a:t>8/2/2021</a:t>
             </a:fld>
             <a:endParaRPr lang="en-US"/>
           </a:p>
@@ -1505,7 +1505,7 @@
           <a:p>
             <a:fld id="{5F31DA2F-80B8-49CF-99FB-5ABCA53A607A}" type="datetime1">
               <a:rPr lang="en-US" smtClean="0"/>
-              <a:t>6/29/2021</a:t>
+              <a:t>8/2/2021</a:t>
             </a:fld>
             <a:endParaRPr lang="en-US"/>
           </a:p>
@@ -1921,7 +1921,7 @@
           <a:p>
             <a:fld id="{28852172-E6C9-4B6C-929A-A9DE3837BBF1}" type="datetime1">
               <a:rPr lang="en-US" smtClean="0"/>
-              <a:t>6/29/2021</a:t>
+              <a:t>8/2/2021</a:t>
             </a:fld>
             <a:endParaRPr lang="en-US"/>
           </a:p>
@@ -2070,7 +2070,7 @@
           <a:p>
             <a:fld id="{3AB41CFF-90C9-47B3-9DA1-F2BF8D839F7E}" type="datetime1">
               <a:rPr lang="en-US" smtClean="0"/>
-              <a:t>6/29/2021</a:t>
+              <a:t>8/2/2021</a:t>
             </a:fld>
             <a:endParaRPr lang="en-US"/>
           </a:p>
@@ -2196,7 +2196,7 @@
           <a:p>
             <a:fld id="{F06048FA-06AB-4884-A69B-986B96E68A24}" type="datetime1">
               <a:rPr lang="en-US" smtClean="0"/>
-              <a:t>6/29/2021</a:t>
+              <a:t>8/2/2021</a:t>
             </a:fld>
             <a:endParaRPr lang="en-US"/>
           </a:p>
@@ -2447,7 +2447,7 @@
           <a:p>
             <a:fld id="{50DB7ABA-0172-4F9C-889D-567164F66BCD}" type="datetime1">
               <a:rPr lang="en-US" smtClean="0"/>
-              <a:t>6/29/2021</a:t>
+              <a:t>8/2/2021</a:t>
             </a:fld>
             <a:endParaRPr lang="en-US"/>
           </a:p>
@@ -2892,7 +2892,7 @@
           <a:p>
             <a:fld id="{78AC6A5B-8AE7-4A41-B5A7-9ADC6686DC18}" type="datetime1">
               <a:rPr lang="en-US" smtClean="0"/>
-              <a:t>6/29/2021</a:t>
+              <a:t>8/2/2021</a:t>
             </a:fld>
             <a:endParaRPr lang="en-US"/>
           </a:p>
@@ -3220,7 +3220,7 @@
             <a:fld id="{57E0CF6C-748E-4B7A-BC8B-3011EF78ED13}" type="datetime1">
               <a:rPr lang="en-US" smtClean="0"/>
               <a:pPr/>
-              <a:t>6/29/2021</a:t>
+              <a:t>8/2/2021</a:t>
             </a:fld>
             <a:endParaRPr lang="en-US" dirty="0"/>
           </a:p>
@@ -11922,8 +11922,8 @@
           </a:p>
         </p:txBody>
       </p:sp>
-      <mc:AlternateContent xmlns:mc="http://schemas.openxmlformats.org/markup-compatibility/2006" xmlns:a14="http://schemas.microsoft.com/office/drawing/2010/main">
-        <mc:Choice Requires="a14">
+      <mc:AlternateContent xmlns:mc="http://schemas.openxmlformats.org/markup-compatibility/2006">
+        <mc:Choice xmlns:a14="http://schemas.microsoft.com/office/drawing/2010/main" Requires="a14">
           <p:sp>
             <p:nvSpPr>
               <p:cNvPr id="3" name="Content Placeholder 2">
@@ -11955,7 +11955,7 @@
               <a:p>
                 <a:r>
                   <a:rPr lang="en-US" dirty="0"/>
-                  <a:t>Doesn’t require invariants from user – finds them</a:t>
+                  <a:t>Can be used without invariants from user – supposed to find them</a:t>
                 </a:r>
               </a:p>
               <a:p>
@@ -12603,7 +12603,7 @@
             </p:txBody>
           </p:sp>
         </mc:Choice>
-        <mc:Fallback xmlns="">
+        <mc:Fallback>
           <p:sp>
             <p:nvSpPr>
               <p:cNvPr id="3" name="Content Placeholder 2">
@@ -17545,7 +17545,7 @@
           <a:p>
             <a:r>
               <a:rPr lang="en-US" dirty="0"/>
-              <a:t>Doesn’t require invariants from user – finds them</a:t>
+              <a:t>Can be used without invariants from user – supposed to find them</a:t>
             </a:r>
           </a:p>
           <a:p>
@@ -21976,13 +21976,7 @@
                         <a:rPr lang="en-US" b="0" i="1" smtClean="0">
                           <a:latin typeface="Cambria Math" panose="02040503050406030204" pitchFamily="18" charset="0"/>
                         </a:rPr>
-                        <m:t>#</m:t>
-                      </m:r>
-                      <m:r>
-                        <a:rPr lang="en-US" b="0" i="1" smtClean="0">
-                          <a:latin typeface="Cambria Math" panose="02040503050406030204" pitchFamily="18" charset="0"/>
-                        </a:rPr>
-                        <m:t>1</m:t>
+                        <m:t>#1</m:t>
                       </m:r>
                       <m:d>
                         <m:dPr>
@@ -22110,13 +22104,7 @@
                             <a:rPr lang="en-US" b="0" i="1" smtClean="0">
                               <a:latin typeface="Cambria Math" panose="02040503050406030204" pitchFamily="18" charset="0"/>
                             </a:rPr>
-                            <m:t>≤</m:t>
-                          </m:r>
-                          <m:r>
-                            <a:rPr lang="en-US" b="0" i="1" smtClean="0">
-                              <a:latin typeface="Cambria Math" panose="02040503050406030204" pitchFamily="18" charset="0"/>
-                            </a:rPr>
-                            <m:t>0</m:t>
+                            <m:t>≤0</m:t>
                           </m:r>
                         </m:e>
                       </m:d>
@@ -22181,13 +22169,7 @@
                             <a:rPr lang="en-US" b="0" i="1" smtClean="0">
                               <a:latin typeface="Cambria Math" panose="02040503050406030204" pitchFamily="18" charset="0"/>
                             </a:rPr>
-                            <m:t>≤</m:t>
-                          </m:r>
-                          <m:r>
-                            <a:rPr lang="en-US" b="0" i="1" smtClean="0">
-                              <a:latin typeface="Cambria Math" panose="02040503050406030204" pitchFamily="18" charset="0"/>
-                            </a:rPr>
-                            <m:t>0</m:t>
+                            <m:t>≤0</m:t>
                           </m:r>
                         </m:e>
                       </m:d>
@@ -22240,13 +22222,7 @@
                             <a:rPr lang="en-US" b="0" i="1" smtClean="0">
                               <a:latin typeface="Cambria Math" panose="02040503050406030204" pitchFamily="18" charset="0"/>
                             </a:rPr>
-                            <m:t>≤</m:t>
-                          </m:r>
-                          <m:r>
-                            <a:rPr lang="en-US" b="0" i="1" smtClean="0">
-                              <a:latin typeface="Cambria Math" panose="02040503050406030204" pitchFamily="18" charset="0"/>
-                            </a:rPr>
-                            <m:t>0</m:t>
+                            <m:t>≤0</m:t>
                           </m:r>
                         </m:e>
                       </m:d>
@@ -36189,13 +36165,7 @@
                         <a:rPr lang="en-US" b="0" i="1" smtClean="0">
                           <a:latin typeface="Cambria Math" panose="02040503050406030204" pitchFamily="18" charset="0"/>
                         </a:rPr>
-                        <m:t>#</m:t>
-                      </m:r>
-                      <m:r>
-                        <a:rPr lang="en-US" b="0" i="1" smtClean="0">
-                          <a:latin typeface="Cambria Math" panose="02040503050406030204" pitchFamily="18" charset="0"/>
-                        </a:rPr>
-                        <m:t>1</m:t>
+                        <m:t>#1</m:t>
                       </m:r>
                       <m:d>
                         <m:dPr>
@@ -36299,13 +36269,7 @@
                                     <a:rPr lang="en-US" b="0" i="1" smtClean="0">
                                       <a:latin typeface="Cambria Math" panose="02040503050406030204" pitchFamily="18" charset="0"/>
                                     </a:rPr>
-                                    <m:t>≥</m:t>
-                                  </m:r>
-                                  <m:r>
-                                    <a:rPr lang="en-US" b="0" i="1" smtClean="0">
-                                      <a:latin typeface="Cambria Math" panose="02040503050406030204" pitchFamily="18" charset="0"/>
-                                    </a:rPr>
-                                    <m:t>2</m:t>
+                                    <m:t>≥2</m:t>
                                   </m:r>
                                 </m:e>
                               </m:d>
@@ -36337,19 +36301,7 @@
                                 <a:rPr lang="en-US" b="0" i="1" smtClean="0">
                                   <a:latin typeface="Cambria Math" panose="02040503050406030204" pitchFamily="18" charset="0"/>
                                 </a:rPr>
-                                <m:t>≤</m:t>
-                              </m:r>
-                              <m:r>
-                                <a:rPr lang="en-US" b="0" i="1" smtClean="0">
-                                  <a:latin typeface="Cambria Math" panose="02040503050406030204" pitchFamily="18" charset="0"/>
-                                </a:rPr>
-                                <m:t>0</m:t>
-                              </m:r>
-                              <m:r>
-                                <a:rPr lang="en-US" b="0" i="1" smtClean="0">
-                                  <a:latin typeface="Cambria Math" panose="02040503050406030204" pitchFamily="18" charset="0"/>
-                                </a:rPr>
-                                <m:t>∨¬</m:t>
+                                <m:t>≤0∨¬</m:t>
                               </m:r>
                               <m:d>
                                 <m:dPr>
@@ -36370,13 +36322,7 @@
                                     <a:rPr lang="en-US" b="0" i="1" smtClean="0">
                                       <a:latin typeface="Cambria Math" panose="02040503050406030204" pitchFamily="18" charset="0"/>
                                     </a:rPr>
-                                    <m:t>≤</m:t>
-                                  </m:r>
-                                  <m:r>
-                                    <a:rPr lang="en-US" b="0" i="1" smtClean="0">
-                                      <a:latin typeface="Cambria Math" panose="02040503050406030204" pitchFamily="18" charset="0"/>
-                                    </a:rPr>
-                                    <m:t>1</m:t>
+                                    <m:t>≤1</m:t>
                                   </m:r>
                                 </m:e>
                               </m:d>
@@ -36407,13 +36353,7 @@
                                 <a:rPr lang="en-US" b="0" i="1" smtClean="0">
                                   <a:latin typeface="Cambria Math" panose="02040503050406030204" pitchFamily="18" charset="0"/>
                                 </a:rPr>
-                                <m:t>≥</m:t>
-                              </m:r>
-                              <m:r>
-                                <a:rPr lang="en-US" b="0" i="1" smtClean="0">
-                                  <a:latin typeface="Cambria Math" panose="02040503050406030204" pitchFamily="18" charset="0"/>
-                                </a:rPr>
-                                <m:t>0</m:t>
+                                <m:t>≥0</m:t>
                               </m:r>
                             </m:e>
                           </m:d>
@@ -36442,13 +36382,7 @@
                                 <a:rPr lang="en-US" b="0" i="1" smtClean="0">
                                   <a:latin typeface="Cambria Math" panose="02040503050406030204" pitchFamily="18" charset="0"/>
                                 </a:rPr>
-                                <m:t>≤</m:t>
-                              </m:r>
-                              <m:r>
-                                <a:rPr lang="en-US" b="0" i="1" smtClean="0">
-                                  <a:latin typeface="Cambria Math" panose="02040503050406030204" pitchFamily="18" charset="0"/>
-                                </a:rPr>
-                                <m:t>0</m:t>
+                                <m:t>≤0</m:t>
                               </m:r>
                             </m:e>
                           </m:d>
@@ -36492,13 +36426,7 @@
                                     <a:rPr lang="en-US" b="0" i="1" smtClean="0">
                                       <a:latin typeface="Cambria Math" panose="02040503050406030204" pitchFamily="18" charset="0"/>
                                     </a:rPr>
-                                    <m:t>≥</m:t>
-                                  </m:r>
-                                  <m:r>
-                                    <a:rPr lang="en-US" b="0" i="1" smtClean="0">
-                                      <a:latin typeface="Cambria Math" panose="02040503050406030204" pitchFamily="18" charset="0"/>
-                                    </a:rPr>
-                                    <m:t>2</m:t>
+                                    <m:t>≥2</m:t>
                                   </m:r>
                                 </m:e>
                               </m:d>
@@ -36530,13 +36458,7 @@
                                 <a:rPr lang="en-US" b="0" i="1" smtClean="0">
                                   <a:latin typeface="Cambria Math" panose="02040503050406030204" pitchFamily="18" charset="0"/>
                                 </a:rPr>
-                                <m:t>≤</m:t>
-                              </m:r>
-                              <m:r>
-                                <a:rPr lang="en-US" b="0" i="1" smtClean="0">
-                                  <a:latin typeface="Cambria Math" panose="02040503050406030204" pitchFamily="18" charset="0"/>
-                                </a:rPr>
-                                <m:t>0</m:t>
+                                <m:t>≤0</m:t>
                               </m:r>
                             </m:e>
                           </m:d>
@@ -36567,19 +36489,7 @@
                             <a:rPr lang="en-US" b="0" i="1" smtClean="0">
                               <a:latin typeface="Cambria Math" panose="02040503050406030204" pitchFamily="18" charset="0"/>
                             </a:rPr>
-                            <m:t>≥</m:t>
-                          </m:r>
-                          <m:r>
-                            <a:rPr lang="en-US" b="0" i="1" smtClean="0">
-                              <a:latin typeface="Cambria Math" panose="02040503050406030204" pitchFamily="18" charset="0"/>
-                            </a:rPr>
-                            <m:t>2</m:t>
-                          </m:r>
-                          <m:r>
-                            <a:rPr lang="en-US" b="0" i="1" smtClean="0">
-                              <a:latin typeface="Cambria Math" panose="02040503050406030204" pitchFamily="18" charset="0"/>
-                            </a:rPr>
-                            <m:t>→</m:t>
+                            <m:t>≥2→</m:t>
                           </m:r>
                           <m:d>
                             <m:dPr>
@@ -36624,13 +36534,7 @@
                                 <a:rPr lang="en-US" b="0" i="1" smtClean="0">
                                   <a:latin typeface="Cambria Math" panose="02040503050406030204" pitchFamily="18" charset="0"/>
                                 </a:rPr>
-                                <m:t>&gt;</m:t>
-                              </m:r>
-                              <m:r>
-                                <a:rPr lang="en-US" b="0" i="1" smtClean="0">
-                                  <a:latin typeface="Cambria Math" panose="02040503050406030204" pitchFamily="18" charset="0"/>
-                                </a:rPr>
-                                <m:t>1</m:t>
+                                <m:t>&gt;1</m:t>
                               </m:r>
                             </m:e>
                           </m:d>
@@ -36661,13 +36565,7 @@
                             <a:rPr lang="en-US" b="0" i="1" smtClean="0">
                               <a:latin typeface="Cambria Math" panose="02040503050406030204" pitchFamily="18" charset="0"/>
                             </a:rPr>
-                            <m:t>≥</m:t>
-                          </m:r>
-                          <m:r>
-                            <a:rPr lang="en-US" b="0" i="1" smtClean="0">
-                              <a:latin typeface="Cambria Math" panose="02040503050406030204" pitchFamily="18" charset="0"/>
-                            </a:rPr>
-                            <m:t>0</m:t>
+                            <m:t>≥0</m:t>
                           </m:r>
                         </m:e>
                       </m:d>
@@ -36696,13 +36594,7 @@
                             <a:rPr lang="en-US" b="0" i="1" smtClean="0">
                               <a:latin typeface="Cambria Math" panose="02040503050406030204" pitchFamily="18" charset="0"/>
                             </a:rPr>
-                            <m:t>&gt;</m:t>
-                          </m:r>
-                          <m:r>
-                            <a:rPr lang="en-US" b="0" i="1" smtClean="0">
-                              <a:latin typeface="Cambria Math" panose="02040503050406030204" pitchFamily="18" charset="0"/>
-                            </a:rPr>
-                            <m:t>0</m:t>
+                            <m:t>&gt;0</m:t>
                           </m:r>
                         </m:e>
                       </m:d>
@@ -36731,19 +36623,7 @@
                             <a:rPr lang="en-US" b="0" i="1" smtClean="0">
                               <a:latin typeface="Cambria Math" panose="02040503050406030204" pitchFamily="18" charset="0"/>
                             </a:rPr>
-                            <m:t>≥</m:t>
-                          </m:r>
-                          <m:r>
-                            <a:rPr lang="en-US" b="0" i="1" smtClean="0">
-                              <a:latin typeface="Cambria Math" panose="02040503050406030204" pitchFamily="18" charset="0"/>
-                            </a:rPr>
-                            <m:t>2</m:t>
-                          </m:r>
-                          <m:r>
-                            <a:rPr lang="en-US" b="0" i="1" smtClean="0">
-                              <a:latin typeface="Cambria Math" panose="02040503050406030204" pitchFamily="18" charset="0"/>
-                            </a:rPr>
-                            <m:t>→</m:t>
+                            <m:t>≥2→</m:t>
                           </m:r>
                           <m:r>
                             <a:rPr lang="en-US" b="0" i="1" smtClean="0">
@@ -36767,13 +36647,7 @@
                             <a:rPr lang="en-US" b="0" i="1" smtClean="0">
                               <a:latin typeface="Cambria Math" panose="02040503050406030204" pitchFamily="18" charset="0"/>
                             </a:rPr>
-                            <m:t>&gt;</m:t>
-                          </m:r>
-                          <m:r>
-                            <a:rPr lang="en-US" b="0" i="1" smtClean="0">
-                              <a:latin typeface="Cambria Math" panose="02040503050406030204" pitchFamily="18" charset="0"/>
-                            </a:rPr>
-                            <m:t>0</m:t>
+                            <m:t>&gt;0</m:t>
                           </m:r>
                         </m:e>
                       </m:d>
@@ -37135,7 +37009,11 @@
           <a:p>
             <a:r>
               <a:rPr lang="en-US" dirty="0"/>
-              <a:t>Contains 1 functions: </a:t>
+              <a:t>Contains </a:t>
+            </a:r>
+            <a:r>
+              <a:rPr lang="en-US"/>
+              <a:t>a single function: </a:t>
             </a:r>
             <a:r>
               <a:rPr lang="en-US" dirty="0" err="1"/>
@@ -49972,13 +49850,7 @@
                       <a:rPr lang="en-US" b="0" i="1" smtClean="0">
                         <a:latin typeface="Cambria Math" panose="02040503050406030204" pitchFamily="18" charset="0"/>
                       </a:rPr>
-                      <m:t>&gt;</m:t>
-                    </m:r>
-                    <m:r>
-                      <a:rPr lang="en-US" b="0" i="1" smtClean="0">
-                        <a:latin typeface="Cambria Math" panose="02040503050406030204" pitchFamily="18" charset="0"/>
-                      </a:rPr>
-                      <m:t>0</m:t>
+                      <m:t>&gt;0</m:t>
                     </m:r>
                   </m:oMath>
                 </a14:m>
@@ -49998,13 +49870,7 @@
                       <a:rPr lang="en-US" b="0" i="1" smtClean="0">
                         <a:latin typeface="Cambria Math" panose="02040503050406030204" pitchFamily="18" charset="0"/>
                       </a:rPr>
-                      <m:t>≥</m:t>
-                    </m:r>
-                    <m:r>
-                      <a:rPr lang="en-US" b="0" i="1" smtClean="0">
-                        <a:latin typeface="Cambria Math" panose="02040503050406030204" pitchFamily="18" charset="0"/>
-                      </a:rPr>
-                      <m:t>0</m:t>
+                      <m:t>≥0</m:t>
                     </m:r>
                   </m:oMath>
                 </a14:m>
